--- a/Лекции/ООП 1 лек 6.pptx
+++ b/Лекции/ООП 1 лек 6.pptx
@@ -5,7 +5,7 @@
     <p:sldMasterId id="2147483674" r:id="rId1"/>
   </p:sldMasterIdLst>
   <p:notesMasterIdLst>
-    <p:notesMasterId r:id="rId80"/>
+    <p:notesMasterId r:id="rId81"/>
   </p:notesMasterIdLst>
   <p:sldIdLst>
     <p:sldId id="273" r:id="rId2"/>
@@ -72,13 +72,13 @@
     <p:sldId id="1210" r:id="rId63"/>
     <p:sldId id="1211" r:id="rId64"/>
     <p:sldId id="1212" r:id="rId65"/>
-    <p:sldId id="1213" r:id="rId66"/>
-    <p:sldId id="1214" r:id="rId67"/>
-    <p:sldId id="1215" r:id="rId68"/>
-    <p:sldId id="1216" r:id="rId69"/>
-    <p:sldId id="1217" r:id="rId70"/>
-    <p:sldId id="1218" r:id="rId71"/>
-    <p:sldId id="1219" r:id="rId72"/>
+    <p:sldId id="1226" r:id="rId66"/>
+    <p:sldId id="1227" r:id="rId67"/>
+    <p:sldId id="1213" r:id="rId68"/>
+    <p:sldId id="1214" r:id="rId69"/>
+    <p:sldId id="1215" r:id="rId70"/>
+    <p:sldId id="1216" r:id="rId71"/>
+    <p:sldId id="1217" r:id="rId72"/>
     <p:sldId id="1220" r:id="rId73"/>
     <p:sldId id="1221" r:id="rId74"/>
     <p:sldId id="1222" r:id="rId75"/>
@@ -86,6 +86,7 @@
     <p:sldId id="1224" r:id="rId77"/>
     <p:sldId id="1225" r:id="rId78"/>
     <p:sldId id="1157" r:id="rId79"/>
+    <p:sldId id="1228" r:id="rId80"/>
   </p:sldIdLst>
   <p:sldSz cx="12192000" cy="6858000"/>
   <p:notesSz cx="6858000" cy="9144000"/>
@@ -289,7 +290,7 @@
             <a:fld id="{AA2F9473-F066-431E-A6E8-1D478C995A6B}" type="datetimeFigureOut">
               <a:rPr lang="en-US" smtClean="0"/>
               <a:pPr/>
-              <a:t>2/3/2025</a:t>
+              <a:t>3/2/2025</a:t>
             </a:fld>
             <a:endParaRPr lang="en-US"/>
           </a:p>
@@ -6128,7 +6129,7 @@
     </p:spTree>
     <p:extLst>
       <p:ext uri="{BB962C8B-B14F-4D97-AF65-F5344CB8AC3E}">
-        <p14:creationId xmlns:p14="http://schemas.microsoft.com/office/powerpoint/2010/main" val="1443390442"/>
+        <p14:creationId xmlns:p14="http://schemas.microsoft.com/office/powerpoint/2010/main" val="4045297931"/>
       </p:ext>
     </p:extLst>
   </p:cSld>
@@ -6218,7 +6219,7 @@
     </p:spTree>
     <p:extLst>
       <p:ext uri="{BB962C8B-B14F-4D97-AF65-F5344CB8AC3E}">
-        <p14:creationId xmlns:p14="http://schemas.microsoft.com/office/powerpoint/2010/main" val="2752289082"/>
+        <p14:creationId xmlns:p14="http://schemas.microsoft.com/office/powerpoint/2010/main" val="919803129"/>
       </p:ext>
     </p:extLst>
   </p:cSld>
@@ -6308,7 +6309,7 @@
     </p:spTree>
     <p:extLst>
       <p:ext uri="{BB962C8B-B14F-4D97-AF65-F5344CB8AC3E}">
-        <p14:creationId xmlns:p14="http://schemas.microsoft.com/office/powerpoint/2010/main" val="4079171082"/>
+        <p14:creationId xmlns:p14="http://schemas.microsoft.com/office/powerpoint/2010/main" val="1443390442"/>
       </p:ext>
     </p:extLst>
   </p:cSld>
@@ -6398,7 +6399,7 @@
     </p:spTree>
     <p:extLst>
       <p:ext uri="{BB962C8B-B14F-4D97-AF65-F5344CB8AC3E}">
-        <p14:creationId xmlns:p14="http://schemas.microsoft.com/office/powerpoint/2010/main" val="1095102517"/>
+        <p14:creationId xmlns:p14="http://schemas.microsoft.com/office/powerpoint/2010/main" val="2752289082"/>
       </p:ext>
     </p:extLst>
   </p:cSld>
@@ -6488,7 +6489,7 @@
     </p:spTree>
     <p:extLst>
       <p:ext uri="{BB962C8B-B14F-4D97-AF65-F5344CB8AC3E}">
-        <p14:creationId xmlns:p14="http://schemas.microsoft.com/office/powerpoint/2010/main" val="2043224847"/>
+        <p14:creationId xmlns:p14="http://schemas.microsoft.com/office/powerpoint/2010/main" val="4079171082"/>
       </p:ext>
     </p:extLst>
   </p:cSld>
@@ -6668,7 +6669,7 @@
     </p:spTree>
     <p:extLst>
       <p:ext uri="{BB962C8B-B14F-4D97-AF65-F5344CB8AC3E}">
-        <p14:creationId xmlns:p14="http://schemas.microsoft.com/office/powerpoint/2010/main" val="706852188"/>
+        <p14:creationId xmlns:p14="http://schemas.microsoft.com/office/powerpoint/2010/main" val="1095102517"/>
       </p:ext>
     </p:extLst>
   </p:cSld>
@@ -6758,7 +6759,7 @@
     </p:spTree>
     <p:extLst>
       <p:ext uri="{BB962C8B-B14F-4D97-AF65-F5344CB8AC3E}">
-        <p14:creationId xmlns:p14="http://schemas.microsoft.com/office/powerpoint/2010/main" val="413752231"/>
+        <p14:creationId xmlns:p14="http://schemas.microsoft.com/office/powerpoint/2010/main" val="2043224847"/>
       </p:ext>
     </p:extLst>
   </p:cSld>
@@ -7389,6 +7390,96 @@
     <p:extLst>
       <p:ext uri="{BB962C8B-B14F-4D97-AF65-F5344CB8AC3E}">
         <p14:creationId xmlns:p14="http://schemas.microsoft.com/office/powerpoint/2010/main" val="1085350265"/>
+      </p:ext>
+    </p:extLst>
+  </p:cSld>
+  <p:clrMapOvr>
+    <a:masterClrMapping/>
+  </p:clrMapOvr>
+</p:notes>
+</file>
+
+<file path=ppt/notesSlides/notesSlide79.xml><?xml version="1.0" encoding="utf-8"?>
+<p:notes xmlns:a="http://schemas.openxmlformats.org/drawingml/2006/main" xmlns:r="http://schemas.openxmlformats.org/officeDocument/2006/relationships" xmlns:p="http://schemas.openxmlformats.org/presentationml/2006/main">
+  <p:cSld>
+    <p:spTree>
+      <p:nvGrpSpPr>
+        <p:cNvPr id="1" name=""/>
+        <p:cNvGrpSpPr/>
+        <p:nvPr/>
+      </p:nvGrpSpPr>
+      <p:grpSpPr>
+        <a:xfrm>
+          <a:off x="0" y="0"/>
+          <a:ext cx="0" cy="0"/>
+          <a:chOff x="0" y="0"/>
+          <a:chExt cx="0" cy="0"/>
+        </a:xfrm>
+      </p:grpSpPr>
+      <p:sp>
+        <p:nvSpPr>
+          <p:cNvPr id="2" name="Образ слайда 1"/>
+          <p:cNvSpPr>
+            <a:spLocks noGrp="1" noRot="1" noChangeAspect="1"/>
+          </p:cNvSpPr>
+          <p:nvPr>
+            <p:ph type="sldImg"/>
+          </p:nvPr>
+        </p:nvSpPr>
+        <p:spPr>
+          <a:xfrm>
+            <a:off x="685800" y="1143000"/>
+            <a:ext cx="5486400" cy="3086100"/>
+          </a:xfrm>
+        </p:spPr>
+      </p:sp>
+      <p:sp>
+        <p:nvSpPr>
+          <p:cNvPr id="3" name="Заметки 2"/>
+          <p:cNvSpPr>
+            <a:spLocks noGrp="1"/>
+          </p:cNvSpPr>
+          <p:nvPr>
+            <p:ph type="body" idx="1"/>
+          </p:nvPr>
+        </p:nvSpPr>
+        <p:spPr/>
+        <p:txBody>
+          <a:bodyPr/>
+          <a:lstStyle/>
+          <a:p>
+            <a:endParaRPr lang="ru-RU"/>
+          </a:p>
+        </p:txBody>
+      </p:sp>
+      <p:sp>
+        <p:nvSpPr>
+          <p:cNvPr id="4" name="Номер слайда 3"/>
+          <p:cNvSpPr>
+            <a:spLocks noGrp="1"/>
+          </p:cNvSpPr>
+          <p:nvPr>
+            <p:ph type="sldNum" sz="quarter" idx="10"/>
+          </p:nvPr>
+        </p:nvSpPr>
+        <p:spPr/>
+        <p:txBody>
+          <a:bodyPr/>
+          <a:lstStyle/>
+          <a:p>
+            <a:fld id="{F0F4E2F1-1521-4C3A-A563-2F7D19AB6E0B}" type="slidenum">
+              <a:rPr lang="en-US" smtClean="0"/>
+              <a:pPr/>
+              <a:t>79</a:t>
+            </a:fld>
+            <a:endParaRPr lang="en-US"/>
+          </a:p>
+        </p:txBody>
+      </p:sp>
+    </p:spTree>
+    <p:extLst>
+      <p:ext uri="{BB962C8B-B14F-4D97-AF65-F5344CB8AC3E}">
+        <p14:creationId xmlns:p14="http://schemas.microsoft.com/office/powerpoint/2010/main" val="2995758488"/>
       </p:ext>
     </p:extLst>
   </p:cSld>
@@ -43236,6 +43327,302 @@
         <p:spPr>
           <a:xfrm>
             <a:off x="133349" y="0"/>
+            <a:ext cx="11913507" cy="4524315"/>
+          </a:xfrm>
+          <a:prstGeom prst="rect">
+            <a:avLst/>
+          </a:prstGeom>
+        </p:spPr>
+        <p:txBody>
+          <a:bodyPr wrap="square">
+            <a:spAutoFit/>
+          </a:bodyPr>
+          <a:lstStyle/>
+          <a:p>
+            <a:pPr algn="ctr" fontAlgn="base">
+              <a:lnSpc>
+                <a:spcPct val="150000"/>
+              </a:lnSpc>
+            </a:pPr>
+            <a:r>
+              <a:rPr lang="ru-RU" sz="2400" b="1" dirty="0" smtClean="0">
+                <a:solidFill>
+                  <a:srgbClr val="161616"/>
+                </a:solidFill>
+                <a:latin typeface="Bookman Old Style" panose="02050604050505020204" pitchFamily="18" charset="0"/>
+              </a:rPr>
+              <a:t>О миграциях</a:t>
+            </a:r>
+          </a:p>
+          <a:p>
+            <a:pPr algn="just" fontAlgn="base">
+              <a:lnSpc>
+                <a:spcPct val="150000"/>
+              </a:lnSpc>
+            </a:pPr>
+            <a:r>
+              <a:rPr lang="ru-RU" sz="2400" dirty="0" smtClean="0">
+                <a:solidFill>
+                  <a:srgbClr val="161616"/>
+                </a:solidFill>
+                <a:latin typeface="Bookman Old Style" panose="02050604050505020204" pitchFamily="18" charset="0"/>
+              </a:rPr>
+              <a:t>В </a:t>
+            </a:r>
+            <a:r>
+              <a:rPr lang="ru-RU" sz="2400" dirty="0">
+                <a:solidFill>
+                  <a:srgbClr val="161616"/>
+                </a:solidFill>
+                <a:latin typeface="Bookman Old Style" panose="02050604050505020204" pitchFamily="18" charset="0"/>
+              </a:rPr>
+              <a:t>реальных проектах модели данных изменяются по мере реализации функций. При добавлении или изменении новых сущностей или свойств схемы базы данных должны быть соответствующим образом изменены для синхронизации с приложением. Функция миграции в EF </a:t>
+            </a:r>
+            <a:r>
+              <a:rPr lang="ru-RU" sz="2400" dirty="0" err="1">
+                <a:solidFill>
+                  <a:srgbClr val="161616"/>
+                </a:solidFill>
+                <a:latin typeface="Bookman Old Style" panose="02050604050505020204" pitchFamily="18" charset="0"/>
+              </a:rPr>
+              <a:t>Core</a:t>
+            </a:r>
+            <a:r>
+              <a:rPr lang="ru-RU" sz="2400" dirty="0">
+                <a:solidFill>
+                  <a:srgbClr val="161616"/>
+                </a:solidFill>
+                <a:latin typeface="Bookman Old Style" panose="02050604050505020204" pitchFamily="18" charset="0"/>
+              </a:rPr>
+              <a:t> позволяет последовательно применять изменения схемы к базе данных, чтобы синхронизировать ее с моделью данных в приложении без потери существующих данных.</a:t>
+            </a:r>
+            <a:endParaRPr lang="ru-RU" sz="2400" dirty="0" smtClean="0">
+              <a:solidFill>
+                <a:srgbClr val="0C0D0E"/>
+              </a:solidFill>
+              <a:latin typeface="Bookman Old Style" panose="02050604050505020204" pitchFamily="18" charset="0"/>
+            </a:endParaRPr>
+          </a:p>
+        </p:txBody>
+      </p:sp>
+    </p:spTree>
+    <p:extLst>
+      <p:ext uri="{BB962C8B-B14F-4D97-AF65-F5344CB8AC3E}">
+        <p14:creationId xmlns:p14="http://schemas.microsoft.com/office/powerpoint/2010/main" val="767208903"/>
+      </p:ext>
+    </p:extLst>
+  </p:cSld>
+  <p:clrMapOvr>
+    <a:masterClrMapping/>
+  </p:clrMapOvr>
+  <p:timing>
+    <p:tnLst>
+      <p:par>
+        <p:cTn id="1" dur="indefinite" restart="never" nodeType="tmRoot"/>
+      </p:par>
+    </p:tnLst>
+  </p:timing>
+</p:sld>
+</file>
+
+<file path=ppt/slides/slide66.xml><?xml version="1.0" encoding="utf-8"?>
+<p:sld xmlns:a="http://schemas.openxmlformats.org/drawingml/2006/main" xmlns:r="http://schemas.openxmlformats.org/officeDocument/2006/relationships" xmlns:p="http://schemas.openxmlformats.org/presentationml/2006/main">
+  <p:cSld>
+    <p:spTree>
+      <p:nvGrpSpPr>
+        <p:cNvPr id="1" name=""/>
+        <p:cNvGrpSpPr/>
+        <p:nvPr/>
+      </p:nvGrpSpPr>
+      <p:grpSpPr>
+        <a:xfrm>
+          <a:off x="0" y="0"/>
+          <a:ext cx="0" cy="0"/>
+          <a:chOff x="0" y="0"/>
+          <a:chExt cx="0" cy="0"/>
+        </a:xfrm>
+      </p:grpSpPr>
+      <p:sp>
+        <p:nvSpPr>
+          <p:cNvPr id="3" name="Прямоугольник 2"/>
+          <p:cNvSpPr/>
+          <p:nvPr/>
+        </p:nvSpPr>
+        <p:spPr>
+          <a:xfrm>
+            <a:off x="133349" y="0"/>
+            <a:ext cx="11913507" cy="6677662"/>
+          </a:xfrm>
+          <a:prstGeom prst="rect">
+            <a:avLst/>
+          </a:prstGeom>
+        </p:spPr>
+        <p:txBody>
+          <a:bodyPr wrap="square">
+            <a:spAutoFit/>
+          </a:bodyPr>
+          <a:lstStyle/>
+          <a:p>
+            <a:pPr algn="just">
+              <a:lnSpc>
+                <a:spcPct val="150000"/>
+              </a:lnSpc>
+            </a:pPr>
+            <a:r>
+              <a:rPr lang="ru-RU" sz="2400" b="1" dirty="0">
+                <a:solidFill>
+                  <a:srgbClr val="161616"/>
+                </a:solidFill>
+                <a:latin typeface="Bookman Old Style" panose="02050604050505020204" pitchFamily="18" charset="0"/>
+              </a:rPr>
+              <a:t>В общем миграции работают следующим образом.</a:t>
+            </a:r>
+          </a:p>
+          <a:p>
+            <a:pPr marL="342900" indent="-342900" algn="just">
+              <a:lnSpc>
+                <a:spcPct val="150000"/>
+              </a:lnSpc>
+              <a:buFont typeface="Arial" panose="020B0604020202020204" pitchFamily="34" charset="0"/>
+              <a:buChar char="•"/>
+            </a:pPr>
+            <a:r>
+              <a:rPr lang="ru-RU" sz="2400" dirty="0">
+                <a:solidFill>
+                  <a:srgbClr val="161616"/>
+                </a:solidFill>
+                <a:latin typeface="Bookman Old Style" panose="02050604050505020204" pitchFamily="18" charset="0"/>
+              </a:rPr>
+              <a:t>При изменении модели данных разработчик использует средства EF </a:t>
+            </a:r>
+            <a:r>
+              <a:rPr lang="ru-RU" sz="2400" dirty="0" err="1">
+                <a:solidFill>
+                  <a:srgbClr val="161616"/>
+                </a:solidFill>
+                <a:latin typeface="Bookman Old Style" panose="02050604050505020204" pitchFamily="18" charset="0"/>
+              </a:rPr>
+              <a:t>Core</a:t>
+            </a:r>
+            <a:r>
+              <a:rPr lang="ru-RU" sz="2400" dirty="0">
+                <a:solidFill>
+                  <a:srgbClr val="161616"/>
+                </a:solidFill>
+                <a:latin typeface="Bookman Old Style" panose="02050604050505020204" pitchFamily="18" charset="0"/>
+              </a:rPr>
+              <a:t> для добавления соответствующей миграции, описывающей обновления, необходимые для синхронизации схемы базы данных. EF </a:t>
+            </a:r>
+            <a:r>
+              <a:rPr lang="ru-RU" sz="2400" dirty="0" err="1">
+                <a:solidFill>
+                  <a:srgbClr val="161616"/>
+                </a:solidFill>
+                <a:latin typeface="Bookman Old Style" panose="02050604050505020204" pitchFamily="18" charset="0"/>
+              </a:rPr>
+              <a:t>Core</a:t>
+            </a:r>
+            <a:r>
+              <a:rPr lang="ru-RU" sz="2400" dirty="0">
+                <a:solidFill>
+                  <a:srgbClr val="161616"/>
+                </a:solidFill>
+                <a:latin typeface="Bookman Old Style" panose="02050604050505020204" pitchFamily="18" charset="0"/>
+              </a:rPr>
+              <a:t> сравнивает текущую модель с моментальным снимком старой модели, чтобы определить различия и создать исходные файлы миграции; файлы можно отслеживать в системе управления версиями проекта, как и любой другой исходный файл.</a:t>
+            </a:r>
+          </a:p>
+          <a:p>
+            <a:pPr marL="342900" indent="-342900" algn="just">
+              <a:lnSpc>
+                <a:spcPct val="150000"/>
+              </a:lnSpc>
+              <a:buFont typeface="Arial" panose="020B0604020202020204" pitchFamily="34" charset="0"/>
+              <a:buChar char="•"/>
+            </a:pPr>
+            <a:r>
+              <a:rPr lang="ru-RU" sz="2400" dirty="0">
+                <a:solidFill>
+                  <a:srgbClr val="161616"/>
+                </a:solidFill>
+                <a:latin typeface="Bookman Old Style" panose="02050604050505020204" pitchFamily="18" charset="0"/>
+              </a:rPr>
+              <a:t>Созданную миграцию можно применять к базе данных различными способами. EF </a:t>
+            </a:r>
+            <a:r>
+              <a:rPr lang="ru-RU" sz="2400" dirty="0" err="1">
+                <a:solidFill>
+                  <a:srgbClr val="161616"/>
+                </a:solidFill>
+                <a:latin typeface="Bookman Old Style" panose="02050604050505020204" pitchFamily="18" charset="0"/>
+              </a:rPr>
+              <a:t>Core</a:t>
+            </a:r>
+            <a:r>
+              <a:rPr lang="ru-RU" sz="2400" dirty="0">
+                <a:solidFill>
+                  <a:srgbClr val="161616"/>
+                </a:solidFill>
+                <a:latin typeface="Bookman Old Style" panose="02050604050505020204" pitchFamily="18" charset="0"/>
+              </a:rPr>
+              <a:t> записывает все примененные миграции в специальную таблицу журнала, из которой будет ясно, какие миграции были применены, а какие нет.</a:t>
+            </a:r>
+            <a:endParaRPr lang="ru-RU" sz="2400" b="0" i="0" dirty="0">
+              <a:solidFill>
+                <a:srgbClr val="161616"/>
+              </a:solidFill>
+              <a:effectLst/>
+              <a:latin typeface="Bookman Old Style" panose="02050604050505020204" pitchFamily="18" charset="0"/>
+            </a:endParaRPr>
+          </a:p>
+        </p:txBody>
+      </p:sp>
+    </p:spTree>
+    <p:extLst>
+      <p:ext uri="{BB962C8B-B14F-4D97-AF65-F5344CB8AC3E}">
+        <p14:creationId xmlns:p14="http://schemas.microsoft.com/office/powerpoint/2010/main" val="2624180168"/>
+      </p:ext>
+    </p:extLst>
+  </p:cSld>
+  <p:clrMapOvr>
+    <a:masterClrMapping/>
+  </p:clrMapOvr>
+  <p:timing>
+    <p:tnLst>
+      <p:par>
+        <p:cTn id="1" dur="indefinite" restart="never" nodeType="tmRoot"/>
+      </p:par>
+    </p:tnLst>
+  </p:timing>
+</p:sld>
+</file>
+
+<file path=ppt/slides/slide67.xml><?xml version="1.0" encoding="utf-8"?>
+<p:sld xmlns:a="http://schemas.openxmlformats.org/drawingml/2006/main" xmlns:r="http://schemas.openxmlformats.org/officeDocument/2006/relationships" xmlns:p="http://schemas.openxmlformats.org/presentationml/2006/main">
+  <p:cSld>
+    <p:spTree>
+      <p:nvGrpSpPr>
+        <p:cNvPr id="1" name=""/>
+        <p:cNvGrpSpPr/>
+        <p:nvPr/>
+      </p:nvGrpSpPr>
+      <p:grpSpPr>
+        <a:xfrm>
+          <a:off x="0" y="0"/>
+          <a:ext cx="0" cy="0"/>
+          <a:chOff x="0" y="0"/>
+          <a:chExt cx="0" cy="0"/>
+        </a:xfrm>
+      </p:grpSpPr>
+      <p:sp>
+        <p:nvSpPr>
+          <p:cNvPr id="3" name="Прямоугольник 2"/>
+          <p:cNvSpPr/>
+          <p:nvPr/>
+        </p:nvSpPr>
+        <p:spPr>
+          <a:xfrm>
+            <a:off x="133349" y="0"/>
             <a:ext cx="11913507" cy="5632311"/>
           </a:xfrm>
           <a:prstGeom prst="rect">
@@ -43618,7 +44005,7 @@
 </p:sld>
 </file>
 
-<file path=ppt/slides/slide66.xml><?xml version="1.0" encoding="utf-8"?>
+<file path=ppt/slides/slide68.xml><?xml version="1.0" encoding="utf-8"?>
 <p:sld xmlns:a="http://schemas.openxmlformats.org/drawingml/2006/main" xmlns:r="http://schemas.openxmlformats.org/officeDocument/2006/relationships" xmlns:p="http://schemas.openxmlformats.org/presentationml/2006/main">
   <p:cSld>
     <p:spTree>
@@ -43779,7 +44166,7 @@
 </p:sld>
 </file>
 
-<file path=ppt/slides/slide67.xml><?xml version="1.0" encoding="utf-8"?>
+<file path=ppt/slides/slide69.xml><?xml version="1.0" encoding="utf-8"?>
 <p:sld xmlns:a="http://schemas.openxmlformats.org/drawingml/2006/main" xmlns:r="http://schemas.openxmlformats.org/officeDocument/2006/relationships" xmlns:p="http://schemas.openxmlformats.org/presentationml/2006/main">
   <p:cSld>
     <p:spTree>
@@ -44088,380 +44475,6 @@
     <p:extLst>
       <p:ext uri="{BB962C8B-B14F-4D97-AF65-F5344CB8AC3E}">
         <p14:creationId xmlns:p14="http://schemas.microsoft.com/office/powerpoint/2010/main" val="2214530630"/>
-      </p:ext>
-    </p:extLst>
-  </p:cSld>
-  <p:clrMapOvr>
-    <a:masterClrMapping/>
-  </p:clrMapOvr>
-  <p:timing>
-    <p:tnLst>
-      <p:par>
-        <p:cTn id="1" dur="indefinite" restart="never" nodeType="tmRoot"/>
-      </p:par>
-    </p:tnLst>
-  </p:timing>
-</p:sld>
-</file>
-
-<file path=ppt/slides/slide68.xml><?xml version="1.0" encoding="utf-8"?>
-<p:sld xmlns:a="http://schemas.openxmlformats.org/drawingml/2006/main" xmlns:r="http://schemas.openxmlformats.org/officeDocument/2006/relationships" xmlns:p="http://schemas.openxmlformats.org/presentationml/2006/main">
-  <p:cSld>
-    <p:spTree>
-      <p:nvGrpSpPr>
-        <p:cNvPr id="1" name=""/>
-        <p:cNvGrpSpPr/>
-        <p:nvPr/>
-      </p:nvGrpSpPr>
-      <p:grpSpPr>
-        <a:xfrm>
-          <a:off x="0" y="0"/>
-          <a:ext cx="0" cy="0"/>
-          <a:chOff x="0" y="0"/>
-          <a:chExt cx="0" cy="0"/>
-        </a:xfrm>
-      </p:grpSpPr>
-      <p:sp>
-        <p:nvSpPr>
-          <p:cNvPr id="3" name="Прямоугольник 2"/>
-          <p:cNvSpPr/>
-          <p:nvPr/>
-        </p:nvSpPr>
-        <p:spPr>
-          <a:xfrm>
-            <a:off x="133349" y="0"/>
-            <a:ext cx="11913507" cy="1137043"/>
-          </a:xfrm>
-          <a:prstGeom prst="rect">
-            <a:avLst/>
-          </a:prstGeom>
-        </p:spPr>
-        <p:txBody>
-          <a:bodyPr wrap="square">
-            <a:spAutoFit/>
-          </a:bodyPr>
-          <a:lstStyle/>
-          <a:p>
-            <a:pPr algn="just" fontAlgn="base">
-              <a:lnSpc>
-                <a:spcPct val="150000"/>
-              </a:lnSpc>
-            </a:pPr>
-            <a:r>
-              <a:rPr lang="ru-RU" sz="2400" dirty="0" smtClean="0">
-                <a:solidFill>
-                  <a:srgbClr val="0C0D0E"/>
-                </a:solidFill>
-                <a:latin typeface="Bookman Old Style" panose="02050604050505020204" pitchFamily="18" charset="0"/>
-              </a:rPr>
-              <a:t>Может немного поругаться, но если написал </a:t>
-            </a:r>
-            <a:r>
-              <a:rPr lang="en-US" sz="2400" dirty="0" smtClean="0">
-                <a:solidFill>
-                  <a:srgbClr val="0C0D0E"/>
-                </a:solidFill>
-                <a:latin typeface="Bookman Old Style" panose="02050604050505020204" pitchFamily="18" charset="0"/>
-              </a:rPr>
-              <a:t>build succeeded </a:t>
-            </a:r>
-            <a:r>
-              <a:rPr lang="ru-RU" sz="2400" dirty="0" smtClean="0">
-                <a:solidFill>
-                  <a:srgbClr val="0C0D0E"/>
-                </a:solidFill>
-                <a:latin typeface="Bookman Old Style" panose="02050604050505020204" pitchFamily="18" charset="0"/>
-              </a:rPr>
-              <a:t>и потом </a:t>
-            </a:r>
-            <a:r>
-              <a:rPr lang="en-US" sz="2400" dirty="0" smtClean="0">
-                <a:solidFill>
-                  <a:srgbClr val="0C0D0E"/>
-                </a:solidFill>
-                <a:latin typeface="Bookman Old Style" panose="02050604050505020204" pitchFamily="18" charset="0"/>
-              </a:rPr>
-              <a:t>Done, </a:t>
-            </a:r>
-            <a:r>
-              <a:rPr lang="ru-RU" sz="2400" dirty="0" smtClean="0">
-                <a:solidFill>
-                  <a:srgbClr val="0C0D0E"/>
-                </a:solidFill>
-                <a:latin typeface="Bookman Old Style" panose="02050604050505020204" pitchFamily="18" charset="0"/>
-              </a:rPr>
-              <a:t>то нужно ввести команду ещё раз, ошибок быть не должно.</a:t>
-            </a:r>
-            <a:endParaRPr lang="ru-RU" sz="2400" b="1" dirty="0">
-              <a:solidFill>
-                <a:srgbClr val="0C0D0E"/>
-              </a:solidFill>
-              <a:latin typeface="Bookman Old Style" panose="02050604050505020204" pitchFamily="18" charset="0"/>
-            </a:endParaRPr>
-          </a:p>
-        </p:txBody>
-      </p:sp>
-      <p:pic>
-        <p:nvPicPr>
-          <p:cNvPr id="4" name="Рисунок 3"/>
-          <p:cNvPicPr>
-            <a:picLocks noChangeAspect="1"/>
-          </p:cNvPicPr>
-          <p:nvPr/>
-        </p:nvPicPr>
-        <p:blipFill>
-          <a:blip r:embed="rId3"/>
-          <a:stretch>
-            <a:fillRect/>
-          </a:stretch>
-        </p:blipFill>
-        <p:spPr>
-          <a:xfrm>
-            <a:off x="1911348" y="1137043"/>
-            <a:ext cx="8357508" cy="5698301"/>
-          </a:xfrm>
-          <a:prstGeom prst="rect">
-            <a:avLst/>
-          </a:prstGeom>
-        </p:spPr>
-      </p:pic>
-    </p:spTree>
-    <p:extLst>
-      <p:ext uri="{BB962C8B-B14F-4D97-AF65-F5344CB8AC3E}">
-        <p14:creationId xmlns:p14="http://schemas.microsoft.com/office/powerpoint/2010/main" val="367286441"/>
-      </p:ext>
-    </p:extLst>
-  </p:cSld>
-  <p:clrMapOvr>
-    <a:masterClrMapping/>
-  </p:clrMapOvr>
-  <p:timing>
-    <p:tnLst>
-      <p:par>
-        <p:cTn id="1" dur="indefinite" restart="never" nodeType="tmRoot"/>
-      </p:par>
-    </p:tnLst>
-  </p:timing>
-</p:sld>
-</file>
-
-<file path=ppt/slides/slide69.xml><?xml version="1.0" encoding="utf-8"?>
-<p:sld xmlns:a="http://schemas.openxmlformats.org/drawingml/2006/main" xmlns:r="http://schemas.openxmlformats.org/officeDocument/2006/relationships" xmlns:p="http://schemas.openxmlformats.org/presentationml/2006/main">
-  <p:cSld>
-    <p:spTree>
-      <p:nvGrpSpPr>
-        <p:cNvPr id="1" name=""/>
-        <p:cNvGrpSpPr/>
-        <p:nvPr/>
-      </p:nvGrpSpPr>
-      <p:grpSpPr>
-        <a:xfrm>
-          <a:off x="0" y="0"/>
-          <a:ext cx="0" cy="0"/>
-          <a:chOff x="0" y="0"/>
-          <a:chExt cx="0" cy="0"/>
-        </a:xfrm>
-      </p:grpSpPr>
-      <p:sp>
-        <p:nvSpPr>
-          <p:cNvPr id="3" name="Прямоугольник 2"/>
-          <p:cNvSpPr/>
-          <p:nvPr/>
-        </p:nvSpPr>
-        <p:spPr>
-          <a:xfrm>
-            <a:off x="133349" y="0"/>
-            <a:ext cx="11913507" cy="3970318"/>
-          </a:xfrm>
-          <a:prstGeom prst="rect">
-            <a:avLst/>
-          </a:prstGeom>
-        </p:spPr>
-        <p:txBody>
-          <a:bodyPr wrap="square">
-            <a:spAutoFit/>
-          </a:bodyPr>
-          <a:lstStyle/>
-          <a:p>
-            <a:pPr algn="just" fontAlgn="base">
-              <a:lnSpc>
-                <a:spcPct val="150000"/>
-              </a:lnSpc>
-            </a:pPr>
-            <a:r>
-              <a:rPr lang="ru-RU" sz="2400" dirty="0" smtClean="0">
-                <a:solidFill>
-                  <a:srgbClr val="0C0D0E"/>
-                </a:solidFill>
-                <a:latin typeface="Bookman Old Style" panose="02050604050505020204" pitchFamily="18" charset="0"/>
-              </a:rPr>
-              <a:t>База данных готова, создаем первую миграцию. Вводим команду в терминале:</a:t>
-            </a:r>
-          </a:p>
-          <a:p>
-            <a:pPr algn="just" fontAlgn="base">
-              <a:lnSpc>
-                <a:spcPct val="150000"/>
-              </a:lnSpc>
-            </a:pPr>
-            <a:r>
-              <a:rPr lang="fr-FR" sz="2400" b="1" dirty="0">
-                <a:solidFill>
-                  <a:srgbClr val="0C0D0E"/>
-                </a:solidFill>
-                <a:latin typeface="Bookman Old Style" panose="02050604050505020204" pitchFamily="18" charset="0"/>
-              </a:rPr>
-              <a:t>dotnet ef database update init -p .\Infrastructure\Persistence\ -s .\Api</a:t>
-            </a:r>
-            <a:r>
-              <a:rPr lang="fr-FR" sz="2400" b="1" dirty="0" smtClean="0">
-                <a:solidFill>
-                  <a:srgbClr val="0C0D0E"/>
-                </a:solidFill>
-                <a:latin typeface="Bookman Old Style" panose="02050604050505020204" pitchFamily="18" charset="0"/>
-              </a:rPr>
-              <a:t>\</a:t>
-            </a:r>
-            <a:endParaRPr lang="ru-RU" sz="2400" b="1" dirty="0" smtClean="0">
-              <a:solidFill>
-                <a:srgbClr val="0C0D0E"/>
-              </a:solidFill>
-              <a:latin typeface="Bookman Old Style" panose="02050604050505020204" pitchFamily="18" charset="0"/>
-            </a:endParaRPr>
-          </a:p>
-          <a:p>
-            <a:pPr algn="just" fontAlgn="base">
-              <a:lnSpc>
-                <a:spcPct val="150000"/>
-              </a:lnSpc>
-            </a:pPr>
-            <a:endParaRPr lang="ru-RU" sz="2400" b="1" dirty="0">
-              <a:solidFill>
-                <a:srgbClr val="0C0D0E"/>
-              </a:solidFill>
-              <a:latin typeface="Bookman Old Style" panose="02050604050505020204" pitchFamily="18" charset="0"/>
-            </a:endParaRPr>
-          </a:p>
-          <a:p>
-            <a:pPr algn="just" fontAlgn="base">
-              <a:lnSpc>
-                <a:spcPct val="150000"/>
-              </a:lnSpc>
-            </a:pPr>
-            <a:r>
-              <a:rPr lang="ru-RU" sz="2400" dirty="0" smtClean="0">
-                <a:solidFill>
-                  <a:srgbClr val="0C0D0E"/>
-                </a:solidFill>
-                <a:latin typeface="Bookman Old Style" panose="02050604050505020204" pitchFamily="18" charset="0"/>
-              </a:rPr>
-              <a:t>где </a:t>
-            </a:r>
-            <a:r>
-              <a:rPr lang="en-US" sz="2400" b="1" dirty="0" err="1" smtClean="0">
-                <a:solidFill>
-                  <a:srgbClr val="0C0D0E"/>
-                </a:solidFill>
-                <a:latin typeface="Bookman Old Style" panose="02050604050505020204" pitchFamily="18" charset="0"/>
-              </a:rPr>
-              <a:t>init</a:t>
-            </a:r>
-            <a:r>
-              <a:rPr lang="en-US" sz="2400" dirty="0" smtClean="0">
-                <a:solidFill>
-                  <a:srgbClr val="0C0D0E"/>
-                </a:solidFill>
-                <a:latin typeface="Bookman Old Style" panose="02050604050505020204" pitchFamily="18" charset="0"/>
-              </a:rPr>
-              <a:t> </a:t>
-            </a:r>
-            <a:r>
-              <a:rPr lang="ru-RU" sz="2400" dirty="0" smtClean="0">
-                <a:solidFill>
-                  <a:srgbClr val="0C0D0E"/>
-                </a:solidFill>
-                <a:latin typeface="Bookman Old Style" panose="02050604050505020204" pitchFamily="18" charset="0"/>
-              </a:rPr>
-              <a:t>– название миграции, может быть любое.</a:t>
-            </a:r>
-          </a:p>
-          <a:p>
-            <a:pPr algn="just" fontAlgn="base">
-              <a:lnSpc>
-                <a:spcPct val="150000"/>
-              </a:lnSpc>
-            </a:pPr>
-            <a:endParaRPr lang="ru-RU" sz="2400" dirty="0">
-              <a:solidFill>
-                <a:srgbClr val="0C0D0E"/>
-              </a:solidFill>
-              <a:latin typeface="Bookman Old Style" panose="02050604050505020204" pitchFamily="18" charset="0"/>
-            </a:endParaRPr>
-          </a:p>
-          <a:p>
-            <a:pPr algn="just" fontAlgn="base">
-              <a:lnSpc>
-                <a:spcPct val="150000"/>
-              </a:lnSpc>
-            </a:pPr>
-            <a:r>
-              <a:rPr lang="ru-RU" sz="2400" dirty="0" smtClean="0">
-                <a:solidFill>
-                  <a:srgbClr val="0C0D0E"/>
-                </a:solidFill>
-                <a:latin typeface="Bookman Old Style" panose="02050604050505020204" pitchFamily="18" charset="0"/>
-              </a:rPr>
-              <a:t>В результате в </a:t>
-            </a:r>
-            <a:r>
-              <a:rPr lang="en-US" sz="2400" dirty="0" smtClean="0">
-                <a:solidFill>
-                  <a:srgbClr val="0C0D0E"/>
-                </a:solidFill>
-                <a:latin typeface="Bookman Old Style" panose="02050604050505020204" pitchFamily="18" charset="0"/>
-              </a:rPr>
-              <a:t>Persistence </a:t>
-            </a:r>
-            <a:r>
-              <a:rPr lang="ru-RU" sz="2400" dirty="0" smtClean="0">
-                <a:solidFill>
-                  <a:srgbClr val="0C0D0E"/>
-                </a:solidFill>
-                <a:latin typeface="Bookman Old Style" panose="02050604050505020204" pitchFamily="18" charset="0"/>
-              </a:rPr>
-              <a:t>должна создаться папка с миграциями.</a:t>
-            </a:r>
-          </a:p>
-        </p:txBody>
-      </p:sp>
-      <p:pic>
-        <p:nvPicPr>
-          <p:cNvPr id="5" name="Рисунок 4"/>
-          <p:cNvPicPr>
-            <a:picLocks noChangeAspect="1"/>
-          </p:cNvPicPr>
-          <p:nvPr/>
-        </p:nvPicPr>
-        <p:blipFill>
-          <a:blip r:embed="rId3"/>
-          <a:stretch>
-            <a:fillRect/>
-          </a:stretch>
-        </p:blipFill>
-        <p:spPr>
-          <a:xfrm>
-            <a:off x="2511839" y="3970318"/>
-            <a:ext cx="7156526" cy="1605455"/>
-          </a:xfrm>
-          <a:prstGeom prst="rect">
-            <a:avLst/>
-          </a:prstGeom>
-        </p:spPr>
-      </p:pic>
-    </p:spTree>
-    <p:extLst>
-      <p:ext uri="{BB962C8B-B14F-4D97-AF65-F5344CB8AC3E}">
-        <p14:creationId xmlns:p14="http://schemas.microsoft.com/office/powerpoint/2010/main" val="42154762"/>
       </p:ext>
     </p:extLst>
   </p:cSld>
@@ -44669,7 +44682,7 @@
         <p:spPr>
           <a:xfrm>
             <a:off x="133349" y="0"/>
-            <a:ext cx="11913507" cy="4524315"/>
+            <a:ext cx="11913507" cy="1137043"/>
           </a:xfrm>
           <a:prstGeom prst="rect">
             <a:avLst/>
@@ -44681,22 +44694,6 @@
           </a:bodyPr>
           <a:lstStyle/>
           <a:p>
-            <a:pPr algn="ctr" fontAlgn="base">
-              <a:lnSpc>
-                <a:spcPct val="150000"/>
-              </a:lnSpc>
-            </a:pPr>
-            <a:r>
-              <a:rPr lang="ru-RU" sz="2400" b="1" dirty="0" smtClean="0">
-                <a:solidFill>
-                  <a:srgbClr val="161616"/>
-                </a:solidFill>
-                <a:latin typeface="Bookman Old Style" panose="02050604050505020204" pitchFamily="18" charset="0"/>
-              </a:rPr>
-              <a:t>О миграциях</a:t>
-            </a:r>
-          </a:p>
-          <a:p>
             <a:pPr algn="just" fontAlgn="base">
               <a:lnSpc>
                 <a:spcPct val="150000"/>
@@ -44705,40 +44702,49 @@
             <a:r>
               <a:rPr lang="ru-RU" sz="2400" dirty="0" smtClean="0">
                 <a:solidFill>
-                  <a:srgbClr val="161616"/>
-                </a:solidFill>
-                <a:latin typeface="Bookman Old Style" panose="02050604050505020204" pitchFamily="18" charset="0"/>
-              </a:rPr>
-              <a:t>В </a:t>
-            </a:r>
-            <a:r>
-              <a:rPr lang="ru-RU" sz="2400" dirty="0">
-                <a:solidFill>
-                  <a:srgbClr val="161616"/>
-                </a:solidFill>
-                <a:latin typeface="Bookman Old Style" panose="02050604050505020204" pitchFamily="18" charset="0"/>
-              </a:rPr>
-              <a:t>реальных проектах модели данных изменяются по мере реализации функций. При добавлении или изменении новых сущностей или свойств схемы базы данных должны быть соответствующим образом изменены для синхронизации с приложением. Функция миграции в EF </a:t>
-            </a:r>
-            <a:r>
-              <a:rPr lang="ru-RU" sz="2400" dirty="0" err="1">
-                <a:solidFill>
-                  <a:srgbClr val="161616"/>
-                </a:solidFill>
-                <a:latin typeface="Bookman Old Style" panose="02050604050505020204" pitchFamily="18" charset="0"/>
-              </a:rPr>
-              <a:t>Core</a:t>
-            </a:r>
-            <a:r>
-              <a:rPr lang="ru-RU" sz="2400" dirty="0">
-                <a:solidFill>
-                  <a:srgbClr val="161616"/>
-                </a:solidFill>
-                <a:latin typeface="Bookman Old Style" panose="02050604050505020204" pitchFamily="18" charset="0"/>
-              </a:rPr>
-              <a:t> позволяет последовательно применять изменения схемы к базе данных, чтобы синхронизировать ее с моделью данных в приложении без потери существующих данных.</a:t>
-            </a:r>
-            <a:endParaRPr lang="ru-RU" sz="2400" dirty="0" smtClean="0">
+                  <a:srgbClr val="0C0D0E"/>
+                </a:solidFill>
+                <a:latin typeface="Bookman Old Style" panose="02050604050505020204" pitchFamily="18" charset="0"/>
+              </a:rPr>
+              <a:t>Может немного поругаться, но если написал </a:t>
+            </a:r>
+            <a:r>
+              <a:rPr lang="en-US" sz="2400" dirty="0" smtClean="0">
+                <a:solidFill>
+                  <a:srgbClr val="0C0D0E"/>
+                </a:solidFill>
+                <a:latin typeface="Bookman Old Style" panose="02050604050505020204" pitchFamily="18" charset="0"/>
+              </a:rPr>
+              <a:t>build succeeded </a:t>
+            </a:r>
+            <a:r>
+              <a:rPr lang="ru-RU" sz="2400" dirty="0" smtClean="0">
+                <a:solidFill>
+                  <a:srgbClr val="0C0D0E"/>
+                </a:solidFill>
+                <a:latin typeface="Bookman Old Style" panose="02050604050505020204" pitchFamily="18" charset="0"/>
+              </a:rPr>
+              <a:t>и потом </a:t>
+            </a:r>
+            <a:r>
+              <a:rPr lang="en-US" sz="2400" dirty="0" smtClean="0">
+                <a:solidFill>
+                  <a:srgbClr val="0C0D0E"/>
+                </a:solidFill>
+                <a:latin typeface="Bookman Old Style" panose="02050604050505020204" pitchFamily="18" charset="0"/>
+              </a:rPr>
+              <a:t>Done, </a:t>
+            </a:r>
+            <a:r>
+              <a:rPr lang="ru-RU" sz="2400" dirty="0" smtClean="0">
+                <a:solidFill>
+                  <a:srgbClr val="0C0D0E"/>
+                </a:solidFill>
+                <a:latin typeface="Bookman Old Style" panose="02050604050505020204" pitchFamily="18" charset="0"/>
+              </a:rPr>
+              <a:t>то нужно ввести команду ещё раз, ошибок быть не должно.</a:t>
+            </a:r>
+            <a:endParaRPr lang="ru-RU" sz="2400" b="1" dirty="0">
               <a:solidFill>
                 <a:srgbClr val="0C0D0E"/>
               </a:solidFill>
@@ -44747,10 +44753,34 @@
           </a:p>
         </p:txBody>
       </p:sp>
+      <p:pic>
+        <p:nvPicPr>
+          <p:cNvPr id="4" name="Рисунок 3"/>
+          <p:cNvPicPr>
+            <a:picLocks noChangeAspect="1"/>
+          </p:cNvPicPr>
+          <p:nvPr/>
+        </p:nvPicPr>
+        <p:blipFill>
+          <a:blip r:embed="rId3"/>
+          <a:stretch>
+            <a:fillRect/>
+          </a:stretch>
+        </p:blipFill>
+        <p:spPr>
+          <a:xfrm>
+            <a:off x="1911348" y="1137043"/>
+            <a:ext cx="8357508" cy="5698301"/>
+          </a:xfrm>
+          <a:prstGeom prst="rect">
+            <a:avLst/>
+          </a:prstGeom>
+        </p:spPr>
+      </p:pic>
     </p:spTree>
     <p:extLst>
       <p:ext uri="{BB962C8B-B14F-4D97-AF65-F5344CB8AC3E}">
-        <p14:creationId xmlns:p14="http://schemas.microsoft.com/office/powerpoint/2010/main" val="1913327641"/>
+        <p14:creationId xmlns:p14="http://schemas.microsoft.com/office/powerpoint/2010/main" val="367286441"/>
       </p:ext>
     </p:extLst>
   </p:cSld>
@@ -44793,7 +44823,7 @@
         <p:spPr>
           <a:xfrm>
             <a:off x="133349" y="0"/>
-            <a:ext cx="11913507" cy="6677662"/>
+            <a:ext cx="11913507" cy="3970318"/>
           </a:xfrm>
           <a:prstGeom prst="rect">
             <a:avLst/>
@@ -44805,124 +44835,185 @@
           </a:bodyPr>
           <a:lstStyle/>
           <a:p>
-            <a:pPr algn="just">
+            <a:pPr algn="just" fontAlgn="base">
               <a:lnSpc>
                 <a:spcPct val="150000"/>
               </a:lnSpc>
             </a:pPr>
             <a:r>
-              <a:rPr lang="ru-RU" sz="2400" b="1" dirty="0">
-                <a:solidFill>
-                  <a:srgbClr val="161616"/>
-                </a:solidFill>
-                <a:latin typeface="Bookman Old Style" panose="02050604050505020204" pitchFamily="18" charset="0"/>
-              </a:rPr>
-              <a:t>В общем миграции работают следующим образом.</a:t>
-            </a:r>
-          </a:p>
-          <a:p>
-            <a:pPr marL="342900" indent="-342900" algn="just">
+              <a:rPr lang="ru-RU" sz="2400" dirty="0" smtClean="0">
+                <a:solidFill>
+                  <a:srgbClr val="0C0D0E"/>
+                </a:solidFill>
+                <a:latin typeface="Bookman Old Style" panose="02050604050505020204" pitchFamily="18" charset="0"/>
+              </a:rPr>
+              <a:t>База данных готова, создаем первую миграцию. Вводим команду в терминале:</a:t>
+            </a:r>
+          </a:p>
+          <a:p>
+            <a:pPr algn="just" fontAlgn="base">
               <a:lnSpc>
                 <a:spcPct val="150000"/>
               </a:lnSpc>
-              <a:buFont typeface="Arial" panose="020B0604020202020204" pitchFamily="34" charset="0"/>
-              <a:buChar char="•"/>
             </a:pPr>
             <a:r>
-              <a:rPr lang="ru-RU" sz="2400" dirty="0">
-                <a:solidFill>
-                  <a:srgbClr val="161616"/>
-                </a:solidFill>
-                <a:latin typeface="Bookman Old Style" panose="02050604050505020204" pitchFamily="18" charset="0"/>
-              </a:rPr>
-              <a:t>При изменении модели данных разработчик использует средства EF </a:t>
-            </a:r>
-            <a:r>
-              <a:rPr lang="ru-RU" sz="2400" dirty="0" err="1">
-                <a:solidFill>
-                  <a:srgbClr val="161616"/>
-                </a:solidFill>
-                <a:latin typeface="Bookman Old Style" panose="02050604050505020204" pitchFamily="18" charset="0"/>
-              </a:rPr>
-              <a:t>Core</a:t>
-            </a:r>
-            <a:r>
-              <a:rPr lang="ru-RU" sz="2400" dirty="0">
-                <a:solidFill>
-                  <a:srgbClr val="161616"/>
-                </a:solidFill>
-                <a:latin typeface="Bookman Old Style" panose="02050604050505020204" pitchFamily="18" charset="0"/>
-              </a:rPr>
-              <a:t> для добавления соответствующей миграции, описывающей обновления, необходимые для синхронизации схемы базы данных. EF </a:t>
-            </a:r>
-            <a:r>
-              <a:rPr lang="ru-RU" sz="2400" dirty="0" err="1">
-                <a:solidFill>
-                  <a:srgbClr val="161616"/>
-                </a:solidFill>
-                <a:latin typeface="Bookman Old Style" panose="02050604050505020204" pitchFamily="18" charset="0"/>
-              </a:rPr>
-              <a:t>Core</a:t>
-            </a:r>
-            <a:r>
-              <a:rPr lang="ru-RU" sz="2400" dirty="0">
-                <a:solidFill>
-                  <a:srgbClr val="161616"/>
-                </a:solidFill>
-                <a:latin typeface="Bookman Old Style" panose="02050604050505020204" pitchFamily="18" charset="0"/>
-              </a:rPr>
-              <a:t> сравнивает текущую модель с моментальным снимком старой модели, чтобы определить различия и создать исходные файлы миграции; файлы можно отслеживать в системе управления версиями проекта, как и любой другой исходный файл.</a:t>
-            </a:r>
-          </a:p>
-          <a:p>
-            <a:pPr marL="342900" indent="-342900" algn="just">
+              <a:rPr lang="fr-FR" sz="2400" b="1" dirty="0">
+                <a:solidFill>
+                  <a:srgbClr val="0C0D0E"/>
+                </a:solidFill>
+                <a:latin typeface="Bookman Old Style" panose="02050604050505020204" pitchFamily="18" charset="0"/>
+              </a:rPr>
+              <a:t>dotnet ef database update init -p .\Infrastructure\Persistence\ -s .\Api</a:t>
+            </a:r>
+            <a:r>
+              <a:rPr lang="fr-FR" sz="2400" b="1" dirty="0" smtClean="0">
+                <a:solidFill>
+                  <a:srgbClr val="0C0D0E"/>
+                </a:solidFill>
+                <a:latin typeface="Bookman Old Style" panose="02050604050505020204" pitchFamily="18" charset="0"/>
+              </a:rPr>
+              <a:t>\</a:t>
+            </a:r>
+            <a:endParaRPr lang="ru-RU" sz="2400" b="1" dirty="0" smtClean="0">
+              <a:solidFill>
+                <a:srgbClr val="0C0D0E"/>
+              </a:solidFill>
+              <a:latin typeface="Bookman Old Style" panose="02050604050505020204" pitchFamily="18" charset="0"/>
+            </a:endParaRPr>
+          </a:p>
+          <a:p>
+            <a:pPr algn="just" fontAlgn="base">
               <a:lnSpc>
                 <a:spcPct val="150000"/>
               </a:lnSpc>
-              <a:buFont typeface="Arial" panose="020B0604020202020204" pitchFamily="34" charset="0"/>
-              <a:buChar char="•"/>
             </a:pPr>
-            <a:r>
-              <a:rPr lang="ru-RU" sz="2400" dirty="0">
-                <a:solidFill>
-                  <a:srgbClr val="161616"/>
-                </a:solidFill>
-                <a:latin typeface="Bookman Old Style" panose="02050604050505020204" pitchFamily="18" charset="0"/>
-              </a:rPr>
-              <a:t>Созданную миграцию можно применять к базе данных различными способами. EF </a:t>
-            </a:r>
-            <a:r>
-              <a:rPr lang="ru-RU" sz="2400" dirty="0" err="1">
-                <a:solidFill>
-                  <a:srgbClr val="161616"/>
-                </a:solidFill>
-                <a:latin typeface="Bookman Old Style" panose="02050604050505020204" pitchFamily="18" charset="0"/>
-              </a:rPr>
-              <a:t>Core</a:t>
-            </a:r>
-            <a:r>
-              <a:rPr lang="ru-RU" sz="2400" dirty="0">
-                <a:solidFill>
-                  <a:srgbClr val="161616"/>
-                </a:solidFill>
-                <a:latin typeface="Bookman Old Style" panose="02050604050505020204" pitchFamily="18" charset="0"/>
-              </a:rPr>
-              <a:t> записывает все примененные миграции в специальную таблицу журнала, из которой будет ясно, какие миграции были применены, а какие нет.</a:t>
-            </a:r>
-            <a:endParaRPr lang="ru-RU" sz="2400" b="0" i="0" dirty="0">
+            <a:endParaRPr lang="ru-RU" sz="2400" b="1" dirty="0">
               <a:solidFill>
-                <a:srgbClr val="161616"/>
+                <a:srgbClr val="0C0D0E"/>
               </a:solidFill>
-              <a:effectLst/>
               <a:latin typeface="Bookman Old Style" panose="02050604050505020204" pitchFamily="18" charset="0"/>
             </a:endParaRPr>
           </a:p>
+          <a:p>
+            <a:pPr algn="just" fontAlgn="base">
+              <a:lnSpc>
+                <a:spcPct val="150000"/>
+              </a:lnSpc>
+            </a:pPr>
+            <a:r>
+              <a:rPr lang="ru-RU" sz="2400" dirty="0" smtClean="0">
+                <a:solidFill>
+                  <a:srgbClr val="0C0D0E"/>
+                </a:solidFill>
+                <a:latin typeface="Bookman Old Style" panose="02050604050505020204" pitchFamily="18" charset="0"/>
+              </a:rPr>
+              <a:t>где </a:t>
+            </a:r>
+            <a:r>
+              <a:rPr lang="en-US" sz="2400" b="1" dirty="0" err="1" smtClean="0">
+                <a:solidFill>
+                  <a:srgbClr val="0C0D0E"/>
+                </a:solidFill>
+                <a:latin typeface="Bookman Old Style" panose="02050604050505020204" pitchFamily="18" charset="0"/>
+              </a:rPr>
+              <a:t>init</a:t>
+            </a:r>
+            <a:r>
+              <a:rPr lang="en-US" sz="2400" dirty="0" smtClean="0">
+                <a:solidFill>
+                  <a:srgbClr val="0C0D0E"/>
+                </a:solidFill>
+                <a:latin typeface="Bookman Old Style" panose="02050604050505020204" pitchFamily="18" charset="0"/>
+              </a:rPr>
+              <a:t> </a:t>
+            </a:r>
+            <a:r>
+              <a:rPr lang="ru-RU" sz="2400" dirty="0" smtClean="0">
+                <a:solidFill>
+                  <a:srgbClr val="0C0D0E"/>
+                </a:solidFill>
+                <a:latin typeface="Bookman Old Style" panose="02050604050505020204" pitchFamily="18" charset="0"/>
+              </a:rPr>
+              <a:t>– название миграции, может быть любое.</a:t>
+            </a:r>
+          </a:p>
+          <a:p>
+            <a:pPr algn="just" fontAlgn="base">
+              <a:lnSpc>
+                <a:spcPct val="150000"/>
+              </a:lnSpc>
+            </a:pPr>
+            <a:endParaRPr lang="ru-RU" sz="2400" dirty="0">
+              <a:solidFill>
+                <a:srgbClr val="0C0D0E"/>
+              </a:solidFill>
+              <a:latin typeface="Bookman Old Style" panose="02050604050505020204" pitchFamily="18" charset="0"/>
+            </a:endParaRPr>
+          </a:p>
+          <a:p>
+            <a:pPr algn="just" fontAlgn="base">
+              <a:lnSpc>
+                <a:spcPct val="150000"/>
+              </a:lnSpc>
+            </a:pPr>
+            <a:r>
+              <a:rPr lang="ru-RU" sz="2400" dirty="0" smtClean="0">
+                <a:solidFill>
+                  <a:srgbClr val="0C0D0E"/>
+                </a:solidFill>
+                <a:latin typeface="Bookman Old Style" panose="02050604050505020204" pitchFamily="18" charset="0"/>
+              </a:rPr>
+              <a:t>В результате в </a:t>
+            </a:r>
+            <a:r>
+              <a:rPr lang="en-US" sz="2400" dirty="0" smtClean="0">
+                <a:solidFill>
+                  <a:srgbClr val="0C0D0E"/>
+                </a:solidFill>
+                <a:latin typeface="Bookman Old Style" panose="02050604050505020204" pitchFamily="18" charset="0"/>
+              </a:rPr>
+              <a:t>Persistence </a:t>
+            </a:r>
+            <a:r>
+              <a:rPr lang="ru-RU" sz="2400" dirty="0" smtClean="0">
+                <a:solidFill>
+                  <a:srgbClr val="0C0D0E"/>
+                </a:solidFill>
+                <a:latin typeface="Bookman Old Style" panose="02050604050505020204" pitchFamily="18" charset="0"/>
+              </a:rPr>
+              <a:t>должна создаться папка с миграциями.</a:t>
+            </a:r>
+          </a:p>
         </p:txBody>
       </p:sp>
+      <p:pic>
+        <p:nvPicPr>
+          <p:cNvPr id="5" name="Рисунок 4"/>
+          <p:cNvPicPr>
+            <a:picLocks noChangeAspect="1"/>
+          </p:cNvPicPr>
+          <p:nvPr/>
+        </p:nvPicPr>
+        <p:blipFill>
+          <a:blip r:embed="rId3"/>
+          <a:stretch>
+            <a:fillRect/>
+          </a:stretch>
+        </p:blipFill>
+        <p:spPr>
+          <a:xfrm>
+            <a:off x="2511839" y="3970318"/>
+            <a:ext cx="7156526" cy="1605455"/>
+          </a:xfrm>
+          <a:prstGeom prst="rect">
+            <a:avLst/>
+          </a:prstGeom>
+        </p:spPr>
+      </p:pic>
     </p:spTree>
     <p:extLst>
       <p:ext uri="{BB962C8B-B14F-4D97-AF65-F5344CB8AC3E}">
-        <p14:creationId xmlns:p14="http://schemas.microsoft.com/office/powerpoint/2010/main" val="3299405329"/>
+        <p14:creationId xmlns:p14="http://schemas.microsoft.com/office/powerpoint/2010/main" val="42154762"/>
       </p:ext>
     </p:extLst>
   </p:cSld>
@@ -46113,6 +46204,324 @@
     <p:extLst>
       <p:ext uri="{BB962C8B-B14F-4D97-AF65-F5344CB8AC3E}">
         <p14:creationId xmlns:p14="http://schemas.microsoft.com/office/powerpoint/2010/main" val="3404133482"/>
+      </p:ext>
+    </p:extLst>
+  </p:cSld>
+  <p:clrMapOvr>
+    <a:masterClrMapping/>
+  </p:clrMapOvr>
+  <p:timing>
+    <p:tnLst>
+      <p:par>
+        <p:cTn id="1" dur="indefinite" restart="never" nodeType="tmRoot"/>
+      </p:par>
+    </p:tnLst>
+  </p:timing>
+</p:sld>
+</file>
+
+<file path=ppt/slides/slide79.xml><?xml version="1.0" encoding="utf-8"?>
+<p:sld xmlns:a="http://schemas.openxmlformats.org/drawingml/2006/main" xmlns:r="http://schemas.openxmlformats.org/officeDocument/2006/relationships" xmlns:p="http://schemas.openxmlformats.org/presentationml/2006/main">
+  <p:cSld>
+    <p:spTree>
+      <p:nvGrpSpPr>
+        <p:cNvPr id="1" name=""/>
+        <p:cNvGrpSpPr/>
+        <p:nvPr/>
+      </p:nvGrpSpPr>
+      <p:grpSpPr>
+        <a:xfrm>
+          <a:off x="0" y="0"/>
+          <a:ext cx="0" cy="0"/>
+          <a:chOff x="0" y="0"/>
+          <a:chExt cx="0" cy="0"/>
+        </a:xfrm>
+      </p:grpSpPr>
+      <p:sp>
+        <p:nvSpPr>
+          <p:cNvPr id="5" name="Прямоугольник 4"/>
+          <p:cNvSpPr/>
+          <p:nvPr/>
+        </p:nvSpPr>
+        <p:spPr>
+          <a:xfrm>
+            <a:off x="247650" y="774700"/>
+            <a:ext cx="11696700" cy="3970318"/>
+          </a:xfrm>
+          <a:prstGeom prst="rect">
+            <a:avLst/>
+          </a:prstGeom>
+        </p:spPr>
+        <p:txBody>
+          <a:bodyPr wrap="square">
+            <a:spAutoFit/>
+          </a:bodyPr>
+          <a:lstStyle/>
+          <a:p>
+            <a:pPr algn="just">
+              <a:lnSpc>
+                <a:spcPct val="150000"/>
+              </a:lnSpc>
+            </a:pPr>
+            <a:r>
+              <a:rPr lang="ru-RU" sz="2400" dirty="0" smtClean="0">
+                <a:solidFill>
+                  <a:srgbClr val="161616"/>
+                </a:solidFill>
+                <a:latin typeface="Bookman Old Style" panose="02050604050505020204" pitchFamily="18" charset="0"/>
+              </a:rPr>
+              <a:t>Аутентификация и авторизация (</a:t>
+            </a:r>
+            <a:r>
+              <a:rPr lang="en-US" sz="2400" dirty="0" smtClean="0">
+                <a:solidFill>
+                  <a:srgbClr val="161616"/>
+                </a:solidFill>
+                <a:latin typeface="Bookman Old Style" panose="02050604050505020204" pitchFamily="18" charset="0"/>
+              </a:rPr>
+              <a:t>JWT</a:t>
+            </a:r>
+            <a:r>
+              <a:rPr lang="ru-RU" sz="2400" dirty="0" smtClean="0">
+                <a:solidFill>
+                  <a:srgbClr val="161616"/>
+                </a:solidFill>
+                <a:latin typeface="Bookman Old Style" panose="02050604050505020204" pitchFamily="18" charset="0"/>
+              </a:rPr>
+              <a:t>)</a:t>
+            </a:r>
+            <a:endParaRPr lang="en-US" sz="2400" dirty="0" smtClean="0">
+              <a:solidFill>
+                <a:srgbClr val="161616"/>
+              </a:solidFill>
+              <a:latin typeface="Bookman Old Style" panose="02050604050505020204" pitchFamily="18" charset="0"/>
+            </a:endParaRPr>
+          </a:p>
+          <a:p>
+            <a:pPr algn="just">
+              <a:lnSpc>
+                <a:spcPct val="150000"/>
+              </a:lnSpc>
+            </a:pPr>
+            <a:r>
+              <a:rPr lang="en-US" sz="2400" dirty="0" smtClean="0">
+                <a:solidFill>
+                  <a:srgbClr val="161616"/>
+                </a:solidFill>
+                <a:latin typeface="Bookman Old Style" panose="02050604050505020204" pitchFamily="18" charset="0"/>
+              </a:rPr>
+              <a:t>Global Error Handling</a:t>
+            </a:r>
+            <a:endParaRPr lang="ru-RU" sz="2400" dirty="0" smtClean="0">
+              <a:solidFill>
+                <a:srgbClr val="161616"/>
+              </a:solidFill>
+              <a:latin typeface="Bookman Old Style" panose="02050604050505020204" pitchFamily="18" charset="0"/>
+            </a:endParaRPr>
+          </a:p>
+          <a:p>
+            <a:pPr algn="just">
+              <a:lnSpc>
+                <a:spcPct val="150000"/>
+              </a:lnSpc>
+            </a:pPr>
+            <a:r>
+              <a:rPr lang="en-US" sz="2400" dirty="0" smtClean="0">
+                <a:solidFill>
+                  <a:srgbClr val="161616"/>
+                </a:solidFill>
+                <a:latin typeface="Bookman Old Style" panose="02050604050505020204" pitchFamily="18" charset="0"/>
+              </a:rPr>
+              <a:t>CQRS</a:t>
+            </a:r>
+          </a:p>
+          <a:p>
+            <a:pPr algn="just">
+              <a:lnSpc>
+                <a:spcPct val="150000"/>
+              </a:lnSpc>
+            </a:pPr>
+            <a:r>
+              <a:rPr lang="en-US" sz="2400" dirty="0" err="1" smtClean="0">
+                <a:solidFill>
+                  <a:srgbClr val="161616"/>
+                </a:solidFill>
+                <a:latin typeface="Bookman Old Style" panose="02050604050505020204" pitchFamily="18" charset="0"/>
+              </a:rPr>
+              <a:t>MediatR</a:t>
+            </a:r>
+            <a:endParaRPr lang="en-US" sz="2400" dirty="0" smtClean="0">
+              <a:solidFill>
+                <a:srgbClr val="161616"/>
+              </a:solidFill>
+              <a:latin typeface="Bookman Old Style" panose="02050604050505020204" pitchFamily="18" charset="0"/>
+            </a:endParaRPr>
+          </a:p>
+          <a:p>
+            <a:pPr algn="just">
+              <a:lnSpc>
+                <a:spcPct val="150000"/>
+              </a:lnSpc>
+            </a:pPr>
+            <a:r>
+              <a:rPr lang="en-US" sz="2400" dirty="0" err="1" smtClean="0">
+                <a:solidFill>
+                  <a:srgbClr val="161616"/>
+                </a:solidFill>
+                <a:latin typeface="Bookman Old Style" panose="02050604050505020204" pitchFamily="18" charset="0"/>
+              </a:rPr>
+              <a:t>Mapster</a:t>
+            </a:r>
+            <a:endParaRPr lang="en-US" sz="2400" dirty="0" smtClean="0">
+              <a:solidFill>
+                <a:srgbClr val="161616"/>
+              </a:solidFill>
+              <a:latin typeface="Bookman Old Style" panose="02050604050505020204" pitchFamily="18" charset="0"/>
+            </a:endParaRPr>
+          </a:p>
+          <a:p>
+            <a:pPr algn="just">
+              <a:lnSpc>
+                <a:spcPct val="150000"/>
+              </a:lnSpc>
+            </a:pPr>
+            <a:r>
+              <a:rPr lang="en-US" sz="2400" dirty="0" smtClean="0">
+                <a:solidFill>
+                  <a:srgbClr val="161616"/>
+                </a:solidFill>
+                <a:latin typeface="Bookman Old Style" panose="02050604050505020204" pitchFamily="18" charset="0"/>
+              </a:rPr>
+              <a:t>Domain </a:t>
+            </a:r>
+            <a:r>
+              <a:rPr lang="en-US" sz="2400" dirty="0" smtClean="0">
+                <a:solidFill>
+                  <a:srgbClr val="161616"/>
+                </a:solidFill>
+                <a:latin typeface="Bookman Old Style" panose="02050604050505020204" pitchFamily="18" charset="0"/>
+              </a:rPr>
+              <a:t>Driven Design (DDD)</a:t>
+            </a:r>
+          </a:p>
+          <a:p>
+            <a:pPr algn="just">
+              <a:lnSpc>
+                <a:spcPct val="150000"/>
+              </a:lnSpc>
+            </a:pPr>
+            <a:r>
+              <a:rPr lang="en-US" sz="2400" dirty="0" smtClean="0">
+                <a:latin typeface="Bookman Old Style" panose="02050604050505020204" pitchFamily="18" charset="0"/>
+              </a:rPr>
+              <a:t>Backend + Frontend </a:t>
+            </a:r>
+            <a:r>
+              <a:rPr lang="en-US" sz="2400" dirty="0">
+                <a:latin typeface="Bookman Old Style" panose="02050604050505020204" pitchFamily="18" charset="0"/>
+              </a:rPr>
+              <a:t>(</a:t>
+            </a:r>
+            <a:r>
+              <a:rPr lang="en-US" sz="2400" dirty="0" err="1">
+                <a:latin typeface="Bookman Old Style" panose="02050604050505020204" pitchFamily="18" charset="0"/>
+              </a:rPr>
+              <a:t>TypeScript</a:t>
+            </a:r>
+            <a:r>
+              <a:rPr lang="en-US" sz="2400" dirty="0" smtClean="0">
+                <a:latin typeface="Bookman Old Style" panose="02050604050505020204" pitchFamily="18" charset="0"/>
+              </a:rPr>
+              <a:t>) = </a:t>
+            </a:r>
+            <a:r>
+              <a:rPr lang="en-US" sz="2400" dirty="0" err="1" smtClean="0">
+                <a:latin typeface="Bookman Old Style" panose="02050604050505020204" pitchFamily="18" charset="0"/>
+              </a:rPr>
+              <a:t>Fullstack</a:t>
+            </a:r>
+            <a:endParaRPr lang="ru-RU" sz="2400" dirty="0" smtClean="0">
+              <a:latin typeface="Bookman Old Style" panose="02050604050505020204" pitchFamily="18" charset="0"/>
+            </a:endParaRPr>
+          </a:p>
+        </p:txBody>
+      </p:sp>
+      <p:sp>
+        <p:nvSpPr>
+          <p:cNvPr id="3" name="Rectangle 28" descr="Светлый диагональный 2"/>
+          <p:cNvSpPr>
+            <a:spLocks noChangeArrowheads="1"/>
+          </p:cNvSpPr>
+          <p:nvPr/>
+        </p:nvSpPr>
+        <p:spPr bwMode="auto">
+          <a:xfrm>
+            <a:off x="0" y="0"/>
+            <a:ext cx="12192000" cy="654357"/>
+          </a:xfrm>
+          <a:prstGeom prst="rect">
+            <a:avLst/>
+          </a:prstGeom>
+          <a:pattFill prst="ltUpDiag">
+            <a:fgClr>
+              <a:schemeClr val="accent1">
+                <a:lumMod val="40000"/>
+                <a:lumOff val="60000"/>
+              </a:schemeClr>
+            </a:fgClr>
+            <a:bgClr>
+              <a:srgbClr val="FFFFFF"/>
+            </a:bgClr>
+          </a:pattFill>
+          <a:ln w="15875" algn="ctr">
+            <a:solidFill>
+              <a:schemeClr val="accent5">
+                <a:lumMod val="50000"/>
+              </a:schemeClr>
+            </a:solidFill>
+            <a:miter lim="800000"/>
+            <a:headEnd/>
+            <a:tailEnd/>
+          </a:ln>
+          <a:effectLst/>
+        </p:spPr>
+        <p:txBody>
+          <a:bodyPr vert="horz" wrap="square" lIns="18000" tIns="18000" rIns="18000" bIns="18000" numCol="1" anchor="ctr" anchorCtr="0" compatLnSpc="1">
+            <a:prstTxWarp prst="textNoShape">
+              <a:avLst/>
+            </a:prstTxWarp>
+          </a:bodyPr>
+          <a:lstStyle/>
+          <a:p>
+            <a:pPr algn="ctr"/>
+            <a:r>
+              <a:rPr lang="ru-RU" sz="2800" b="1" dirty="0" smtClean="0">
+                <a:solidFill>
+                  <a:schemeClr val="tx2">
+                    <a:lumMod val="50000"/>
+                  </a:schemeClr>
+                </a:solidFill>
+                <a:latin typeface="Bookman Old Style" panose="02050604050505020204" pitchFamily="18" charset="0"/>
+                <a:cs typeface="Times New Roman" panose="02020603050405020304" pitchFamily="18" charset="0"/>
+              </a:rPr>
+              <a:t>Осталось за кадром</a:t>
+            </a:r>
+            <a:endParaRPr lang="ru-RU" sz="2800" b="1" dirty="0">
+              <a:solidFill>
+                <a:schemeClr val="tx2">
+                  <a:lumMod val="50000"/>
+                </a:schemeClr>
+              </a:solidFill>
+              <a:latin typeface="Bookman Old Style" panose="02050604050505020204" pitchFamily="18" charset="0"/>
+              <a:cs typeface="Times New Roman" panose="02020603050405020304" pitchFamily="18" charset="0"/>
+            </a:endParaRPr>
+          </a:p>
+        </p:txBody>
+      </p:sp>
+    </p:spTree>
+    <p:extLst>
+      <p:ext uri="{BB962C8B-B14F-4D97-AF65-F5344CB8AC3E}">
+        <p14:creationId xmlns:p14="http://schemas.microsoft.com/office/powerpoint/2010/main" val="4262103016"/>
       </p:ext>
     </p:extLst>
   </p:cSld>

--- a/Лекции/ООП 1 лек 6.pptx
+++ b/Лекции/ООП 1 лек 6.pptx
@@ -290,7 +290,7 @@
             <a:fld id="{AA2F9473-F066-431E-A6E8-1D478C995A6B}" type="datetimeFigureOut">
               <a:rPr lang="en-US" smtClean="0"/>
               <a:pPr/>
-              <a:t>3/2/2025</a:t>
+              <a:t>3/30/2025</a:t>
             </a:fld>
             <a:endParaRPr lang="en-US"/>
           </a:p>
@@ -14062,7 +14062,7 @@
               <a:rPr lang="ru-RU" sz="2400" b="1" dirty="0" smtClean="0">
                 <a:latin typeface="Bookman Old Style" panose="02050604050505020204" pitchFamily="18" charset="0"/>
               </a:rPr>
-              <a:t>Внимание: </a:t>
+              <a:t>Замечание: </a:t>
             </a:r>
             <a:r>
               <a:rPr lang="ru-RU" sz="2400" dirty="0" smtClean="0">
@@ -15371,7 +15371,7 @@
         </p:nvSpPr>
         <p:spPr>
           <a:xfrm>
-            <a:off x="133350" y="1754326"/>
+            <a:off x="133350" y="2339542"/>
             <a:ext cx="12192000" cy="3046988"/>
           </a:xfrm>
           <a:prstGeom prst="rect">
@@ -15849,8 +15849,17 @@
               <a:rPr lang="ru-RU" sz="2400" dirty="0" smtClean="0">
                 <a:latin typeface="Bookman Old Style" panose="02050604050505020204" pitchFamily="18" charset="0"/>
               </a:rPr>
-              <a:t> который управляет заметками.</a:t>
-            </a:r>
+              <a:t> который управляет заметками</a:t>
+            </a:r>
+            <a:r>
+              <a:rPr lang="ru-RU" sz="2400" dirty="0" smtClean="0">
+                <a:latin typeface="Bookman Old Style" panose="02050604050505020204" pitchFamily="18" charset="0"/>
+              </a:rPr>
+              <a:t>.</a:t>
+            </a:r>
+            <a:endParaRPr lang="ru-RU" sz="2400" dirty="0" smtClean="0">
+              <a:latin typeface="Bookman Old Style" panose="02050604050505020204" pitchFamily="18" charset="0"/>
+            </a:endParaRPr>
           </a:p>
         </p:txBody>
       </p:sp>
@@ -18051,8 +18060,8 @@
         </p:nvSpPr>
         <p:spPr>
           <a:xfrm>
-            <a:off x="133350" y="0"/>
-            <a:ext cx="11696700" cy="6740307"/>
+            <a:off x="263346" y="0"/>
+            <a:ext cx="11566703" cy="6740307"/>
           </a:xfrm>
           <a:prstGeom prst="rect">
             <a:avLst/>
@@ -18092,7 +18101,7 @@
               <a:rPr lang="ru-RU" sz="2400" b="1" dirty="0" smtClean="0">
                 <a:latin typeface="Bookman Old Style" panose="02050604050505020204" pitchFamily="18" charset="0"/>
               </a:rPr>
-              <a:t>Внимание: </a:t>
+              <a:t>Замечание: </a:t>
             </a:r>
             <a:r>
               <a:rPr lang="ru-RU" sz="2400" dirty="0" smtClean="0">
@@ -18347,8 +18356,8 @@
         </p:nvSpPr>
         <p:spPr>
           <a:xfrm>
-            <a:off x="133350" y="0"/>
-            <a:ext cx="6990464" cy="5632311"/>
+            <a:off x="299922" y="0"/>
+            <a:ext cx="6823891" cy="5632311"/>
           </a:xfrm>
           <a:prstGeom prst="rect">
             <a:avLst/>
@@ -29436,7 +29445,16 @@
                 </a:highlight>
                 <a:latin typeface="Bookman Old Style" panose="02050604050505020204" pitchFamily="18" charset="0"/>
               </a:rPr>
-              <a:t>Т.е. данный контроллер слушает запросы, начинающиеся вида </a:t>
+              <a:t>Т.е. данный контроллер слушает запросы, </a:t>
+            </a:r>
+            <a:r>
+              <a:rPr lang="ru-RU" sz="2400" dirty="0" smtClean="0">
+                <a:highlight>
+                  <a:srgbClr val="FFFFFF"/>
+                </a:highlight>
+                <a:latin typeface="Bookman Old Style" panose="02050604050505020204" pitchFamily="18" charset="0"/>
+              </a:rPr>
+              <a:t>вида </a:t>
             </a:r>
             <a:r>
               <a:rPr lang="en-US" sz="2400" dirty="0" smtClean="0">
@@ -43327,7 +43345,7 @@
         <p:spPr>
           <a:xfrm>
             <a:off x="133349" y="0"/>
-            <a:ext cx="11913507" cy="4524315"/>
+            <a:ext cx="11913507" cy="5078313"/>
           </a:xfrm>
           <a:prstGeom prst="rect">
             <a:avLst/>
@@ -43367,7 +43385,7 @@
                 </a:solidFill>
                 <a:latin typeface="Bookman Old Style" panose="02050604050505020204" pitchFamily="18" charset="0"/>
               </a:rPr>
-              <a:t>В </a:t>
+              <a:t>Модели данных могут изменяться </a:t>
             </a:r>
             <a:r>
               <a:rPr lang="ru-RU" sz="2400" dirty="0">
@@ -43376,7 +43394,72 @@
                 </a:solidFill>
                 <a:latin typeface="Bookman Old Style" panose="02050604050505020204" pitchFamily="18" charset="0"/>
               </a:rPr>
-              <a:t>реальных проектах модели данных изменяются по мере реализации функций. При добавлении или изменении новых сущностей или свойств схемы базы данных должны быть соответствующим образом изменены для синхронизации с приложением. Функция миграции в EF </a:t>
+              <a:t>по мере реализации </a:t>
+            </a:r>
+            <a:r>
+              <a:rPr lang="ru-RU" sz="2400" dirty="0" smtClean="0">
+                <a:solidFill>
+                  <a:srgbClr val="161616"/>
+                </a:solidFill>
+                <a:latin typeface="Bookman Old Style" panose="02050604050505020204" pitchFamily="18" charset="0"/>
+              </a:rPr>
+              <a:t>функций, при </a:t>
+            </a:r>
+            <a:r>
+              <a:rPr lang="ru-RU" sz="2400" dirty="0">
+                <a:solidFill>
+                  <a:srgbClr val="161616"/>
+                </a:solidFill>
+                <a:latin typeface="Bookman Old Style" panose="02050604050505020204" pitchFamily="18" charset="0"/>
+              </a:rPr>
+              <a:t>добавлении или изменении новых сущностей или свойств схемы базы данных должны быть соответствующим образом изменены для синхронизации с </a:t>
+            </a:r>
+            <a:r>
+              <a:rPr lang="ru-RU" sz="2400" dirty="0" smtClean="0">
+                <a:solidFill>
+                  <a:srgbClr val="161616"/>
+                </a:solidFill>
+                <a:latin typeface="Bookman Old Style" panose="02050604050505020204" pitchFamily="18" charset="0"/>
+              </a:rPr>
+              <a:t>приложением.</a:t>
+            </a:r>
+          </a:p>
+          <a:p>
+            <a:pPr algn="just" fontAlgn="base">
+              <a:lnSpc>
+                <a:spcPct val="150000"/>
+              </a:lnSpc>
+            </a:pPr>
+            <a:endParaRPr lang="ru-RU" sz="2400" dirty="0">
+              <a:solidFill>
+                <a:srgbClr val="161616"/>
+              </a:solidFill>
+              <a:latin typeface="Bookman Old Style" panose="02050604050505020204" pitchFamily="18" charset="0"/>
+            </a:endParaRPr>
+          </a:p>
+          <a:p>
+            <a:pPr algn="just" fontAlgn="base">
+              <a:lnSpc>
+                <a:spcPct val="150000"/>
+              </a:lnSpc>
+            </a:pPr>
+            <a:r>
+              <a:rPr lang="ru-RU" sz="2400" dirty="0" smtClean="0">
+                <a:solidFill>
+                  <a:srgbClr val="161616"/>
+                </a:solidFill>
+                <a:latin typeface="Bookman Old Style" panose="02050604050505020204" pitchFamily="18" charset="0"/>
+              </a:rPr>
+              <a:t>Функция </a:t>
+            </a:r>
+            <a:r>
+              <a:rPr lang="ru-RU" sz="2400" dirty="0">
+                <a:solidFill>
+                  <a:srgbClr val="161616"/>
+                </a:solidFill>
+                <a:latin typeface="Bookman Old Style" panose="02050604050505020204" pitchFamily="18" charset="0"/>
+              </a:rPr>
+              <a:t>миграции в EF </a:t>
             </a:r>
             <a:r>
               <a:rPr lang="ru-RU" sz="2400" dirty="0" err="1">
@@ -43469,13 +43552,22 @@
               </a:lnSpc>
             </a:pPr>
             <a:r>
+              <a:rPr lang="ru-RU" sz="2400" b="1" dirty="0" smtClean="0">
+                <a:solidFill>
+                  <a:srgbClr val="161616"/>
+                </a:solidFill>
+                <a:latin typeface="Bookman Old Style" panose="02050604050505020204" pitchFamily="18" charset="0"/>
+              </a:rPr>
+              <a:t>Миграции </a:t>
+            </a:r>
+            <a:r>
               <a:rPr lang="ru-RU" sz="2400" b="1" dirty="0">
                 <a:solidFill>
                   <a:srgbClr val="161616"/>
                 </a:solidFill>
                 <a:latin typeface="Bookman Old Style" panose="02050604050505020204" pitchFamily="18" charset="0"/>
               </a:rPr>
-              <a:t>В общем миграции работают следующим образом.</a:t>
+              <a:t>работают следующим образом.</a:t>
             </a:r>
           </a:p>
           <a:p>
@@ -45227,68 +45319,29 @@
               </a:lnSpc>
             </a:pPr>
             <a:r>
-              <a:rPr lang="ru-RU" sz="2400" dirty="0" smtClean="0">
+              <a:rPr lang="ru-RU" sz="2400" b="1" dirty="0" err="1">
                 <a:solidFill>
                   <a:srgbClr val="161616"/>
                 </a:solidFill>
                 <a:latin typeface="Bookman Old Style" panose="02050604050505020204" pitchFamily="18" charset="0"/>
               </a:rPr>
-              <a:t>С помощью </a:t>
-            </a:r>
-            <a:r>
-              <a:rPr lang="en-US" sz="2400" dirty="0" smtClean="0">
+              <a:t>Swagger</a:t>
+            </a:r>
+            <a:r>
+              <a:rPr lang="ru-RU" sz="2400" dirty="0">
                 <a:solidFill>
                   <a:srgbClr val="161616"/>
                 </a:solidFill>
                 <a:latin typeface="Bookman Old Style" panose="02050604050505020204" pitchFamily="18" charset="0"/>
               </a:rPr>
-              <a:t>swagger </a:t>
-            </a:r>
-            <a:r>
-              <a:rPr lang="ru-RU" sz="2400" dirty="0" smtClean="0">
-                <a:solidFill>
-                  <a:srgbClr val="161616"/>
-                </a:solidFill>
-                <a:latin typeface="Bookman Old Style" panose="02050604050505020204" pitchFamily="18" charset="0"/>
-              </a:rPr>
-              <a:t>можно отправлять запросы и получать ответы от нашего </a:t>
-            </a:r>
-            <a:r>
-              <a:rPr lang="en-US" sz="2400" dirty="0" smtClean="0">
-                <a:solidFill>
-                  <a:srgbClr val="161616"/>
-                </a:solidFill>
-                <a:latin typeface="Bookman Old Style" panose="02050604050505020204" pitchFamily="18" charset="0"/>
-              </a:rPr>
-              <a:t>Web </a:t>
-            </a:r>
-            <a:r>
-              <a:rPr lang="en-US" sz="2400" dirty="0" err="1" smtClean="0">
-                <a:solidFill>
-                  <a:srgbClr val="161616"/>
-                </a:solidFill>
-                <a:latin typeface="Bookman Old Style" panose="02050604050505020204" pitchFamily="18" charset="0"/>
-              </a:rPr>
-              <a:t>Api</a:t>
-            </a:r>
-            <a:r>
-              <a:rPr lang="en-US" sz="2400" dirty="0" smtClean="0">
-                <a:solidFill>
-                  <a:srgbClr val="161616"/>
-                </a:solidFill>
-                <a:latin typeface="Bookman Old Style" panose="02050604050505020204" pitchFamily="18" charset="0"/>
-              </a:rPr>
-              <a:t> </a:t>
-            </a:r>
-            <a:r>
-              <a:rPr lang="ru-RU" sz="2400" dirty="0" smtClean="0">
-                <a:solidFill>
-                  <a:srgbClr val="161616"/>
-                </a:solidFill>
-                <a:latin typeface="Bookman Old Style" panose="02050604050505020204" pitchFamily="18" charset="0"/>
-              </a:rPr>
-              <a:t>и тем самым отлаживать его.</a:t>
-            </a:r>
+              <a:t> — это инструмент, который помогает разработчикам создавать, документировать и проверять API. </a:t>
+            </a:r>
+            <a:endParaRPr lang="en-US" sz="2400" dirty="0" smtClean="0">
+              <a:solidFill>
+                <a:srgbClr val="161616"/>
+              </a:solidFill>
+              <a:latin typeface="Bookman Old Style" panose="02050604050505020204" pitchFamily="18" charset="0"/>
+            </a:endParaRPr>
           </a:p>
           <a:p>
             <a:pPr algn="just">
@@ -46392,16 +46445,7 @@
                 </a:solidFill>
                 <a:latin typeface="Bookman Old Style" panose="02050604050505020204" pitchFamily="18" charset="0"/>
               </a:rPr>
-              <a:t>Domain </a:t>
-            </a:r>
-            <a:r>
-              <a:rPr lang="en-US" sz="2400" dirty="0" smtClean="0">
-                <a:solidFill>
-                  <a:srgbClr val="161616"/>
-                </a:solidFill>
-                <a:latin typeface="Bookman Old Style" panose="02050604050505020204" pitchFamily="18" charset="0"/>
-              </a:rPr>
-              <a:t>Driven Design (DDD)</a:t>
+              <a:t>Domain Driven Design (DDD)</a:t>
             </a:r>
           </a:p>
           <a:p>

--- a/Лекции/ООП 1 лек 6.pptx
+++ b/Лекции/ООП 1 лек 6.pptx
@@ -290,7 +290,7 @@
             <a:fld id="{AA2F9473-F066-431E-A6E8-1D478C995A6B}" type="datetimeFigureOut">
               <a:rPr lang="en-US" smtClean="0"/>
               <a:pPr/>
-              <a:t>3/30/2025</a:t>
+              <a:t>4/2/2025</a:t>
             </a:fld>
             <a:endParaRPr lang="en-US"/>
           </a:p>
@@ -7826,7 +7826,7 @@
           <p:cNvPr id="9" name="Номер слайда 3">
             <a:extLst>
               <a:ext uri="{FF2B5EF4-FFF2-40B4-BE49-F238E27FC236}">
-                <a16:creationId xmlns:a16="http://schemas.microsoft.com/office/drawing/2014/main" id="{3DF48714-7FE4-4364-BF9D-28B9C9E2979D}"/>
+                <a16:creationId xmlns:a16="http://schemas.microsoft.com/office/drawing/2014/main" xmlns="" id="{3DF48714-7FE4-4364-BF9D-28B9C9E2979D}"/>
               </a:ext>
             </a:extLst>
           </p:cNvPr>
@@ -7965,7 +7965,7 @@
           <p:cNvPr id="7" name="Номер слайда 3">
             <a:extLst>
               <a:ext uri="{FF2B5EF4-FFF2-40B4-BE49-F238E27FC236}">
-                <a16:creationId xmlns:a16="http://schemas.microsoft.com/office/drawing/2014/main" id="{3DF48714-7FE4-4364-BF9D-28B9C9E2979D}"/>
+                <a16:creationId xmlns:a16="http://schemas.microsoft.com/office/drawing/2014/main" xmlns="" id="{3DF48714-7FE4-4364-BF9D-28B9C9E2979D}"/>
               </a:ext>
             </a:extLst>
           </p:cNvPr>
@@ -8247,7 +8247,7 @@
           <p:cNvPr id="9" name="Номер слайда 3">
             <a:extLst>
               <a:ext uri="{FF2B5EF4-FFF2-40B4-BE49-F238E27FC236}">
-                <a16:creationId xmlns:a16="http://schemas.microsoft.com/office/drawing/2014/main" id="{3DF48714-7FE4-4364-BF9D-28B9C9E2979D}"/>
+                <a16:creationId xmlns:a16="http://schemas.microsoft.com/office/drawing/2014/main" xmlns="" id="{3DF48714-7FE4-4364-BF9D-28B9C9E2979D}"/>
               </a:ext>
             </a:extLst>
           </p:cNvPr>
@@ -8684,7 +8684,7 @@
           <p:cNvPr id="17" name="Заголовок 16">
             <a:extLst>
               <a:ext uri="{FF2B5EF4-FFF2-40B4-BE49-F238E27FC236}">
-                <a16:creationId xmlns:a16="http://schemas.microsoft.com/office/drawing/2014/main" id="{D630362D-1F09-46B4-9DE4-AEA483AC82FD}"/>
+                <a16:creationId xmlns:a16="http://schemas.microsoft.com/office/drawing/2014/main" xmlns="" id="{D630362D-1F09-46B4-9DE4-AEA483AC82FD}"/>
               </a:ext>
             </a:extLst>
           </p:cNvPr>
@@ -8942,7 +8942,7 @@
           <p:cNvPr id="12" name="TextBox 11">
             <a:extLst>
               <a:ext uri="{FF2B5EF4-FFF2-40B4-BE49-F238E27FC236}">
-                <a16:creationId xmlns:a16="http://schemas.microsoft.com/office/drawing/2014/main" id="{F7B00361-5492-4290-B470-295172C16526}"/>
+                <a16:creationId xmlns:a16="http://schemas.microsoft.com/office/drawing/2014/main" xmlns="" id="{F7B00361-5492-4290-B470-295172C16526}"/>
               </a:ext>
             </a:extLst>
           </p:cNvPr>
@@ -15849,17 +15849,8 @@
               <a:rPr lang="ru-RU" sz="2400" dirty="0" smtClean="0">
                 <a:latin typeface="Bookman Old Style" panose="02050604050505020204" pitchFamily="18" charset="0"/>
               </a:rPr>
-              <a:t> который управляет заметками</a:t>
-            </a:r>
-            <a:r>
-              <a:rPr lang="ru-RU" sz="2400" dirty="0" smtClean="0">
-                <a:latin typeface="Bookman Old Style" panose="02050604050505020204" pitchFamily="18" charset="0"/>
-              </a:rPr>
-              <a:t>.</a:t>
-            </a:r>
-            <a:endParaRPr lang="ru-RU" sz="2400" dirty="0" smtClean="0">
-              <a:latin typeface="Bookman Old Style" panose="02050604050505020204" pitchFamily="18" charset="0"/>
-            </a:endParaRPr>
+              <a:t> который управляет заметками.</a:t>
+            </a:r>
           </a:p>
         </p:txBody>
       </p:sp>
@@ -29445,16 +29436,7 @@
                 </a:highlight>
                 <a:latin typeface="Bookman Old Style" panose="02050604050505020204" pitchFamily="18" charset="0"/>
               </a:rPr>
-              <a:t>Т.е. данный контроллер слушает запросы, </a:t>
-            </a:r>
-            <a:r>
-              <a:rPr lang="ru-RU" sz="2400" dirty="0" smtClean="0">
-                <a:highlight>
-                  <a:srgbClr val="FFFFFF"/>
-                </a:highlight>
-                <a:latin typeface="Bookman Old Style" panose="02050604050505020204" pitchFamily="18" charset="0"/>
-              </a:rPr>
-              <a:t>вида </a:t>
+              <a:t>Т.е. данный контроллер слушает запросы, вида </a:t>
             </a:r>
             <a:r>
               <a:rPr lang="en-US" sz="2400" dirty="0" smtClean="0">

--- a/Лекции/ООП 1 лек 6.pptx
+++ b/Лекции/ООП 1 лек 6.pptx
@@ -14919,9 +14919,6 @@
               </a:rPr>
               <a:t>.</a:t>
             </a:r>
-            <a:endParaRPr lang="ru-RU" sz="2400" dirty="0">
-              <a:latin typeface="Bookman Old Style" panose="02050604050505020204" pitchFamily="18" charset="0"/>
-            </a:endParaRPr>
           </a:p>
           <a:p>
             <a:endParaRPr lang="ru-RU" sz="2400" dirty="0" smtClean="0">
@@ -50380,8 +50377,8 @@
         </p:nvSpPr>
         <p:spPr>
           <a:xfrm>
-            <a:off x="247650" y="774700"/>
-            <a:ext cx="11696700" cy="5078313"/>
+            <a:off x="247650" y="654357"/>
+            <a:ext cx="11696700" cy="6186309"/>
           </a:xfrm>
           <a:prstGeom prst="rect">
             <a:avLst/>
@@ -50555,6 +50552,78 @@
                 <a:latin typeface="Bookman Old Style" panose="02050604050505020204" pitchFamily="18" charset="0"/>
               </a:rPr>
               <a:t>.</a:t>
+            </a:r>
+          </a:p>
+          <a:p>
+            <a:pPr marL="457200" indent="-457200" algn="just">
+              <a:lnSpc>
+                <a:spcPct val="150000"/>
+              </a:lnSpc>
+              <a:buFont typeface="+mj-lt"/>
+              <a:buAutoNum type="arabicPeriod"/>
+            </a:pPr>
+            <a:r>
+              <a:rPr lang="en-US" sz="2400" dirty="0" err="1" smtClean="0">
+                <a:solidFill>
+                  <a:srgbClr val="161616"/>
+                </a:solidFill>
+                <a:latin typeface="Bookman Old Style" panose="02050604050505020204" pitchFamily="18" charset="0"/>
+              </a:rPr>
+              <a:t>SignalR</a:t>
+            </a:r>
+            <a:r>
+              <a:rPr lang="en-US" sz="2400" dirty="0" smtClean="0">
+                <a:solidFill>
+                  <a:srgbClr val="161616"/>
+                </a:solidFill>
+                <a:latin typeface="Bookman Old Style" panose="02050604050505020204" pitchFamily="18" charset="0"/>
+              </a:rPr>
+              <a:t> </a:t>
+            </a:r>
+            <a:r>
+              <a:rPr lang="ru-RU" sz="2400" dirty="0" smtClean="0">
+                <a:solidFill>
+                  <a:srgbClr val="161616"/>
+                </a:solidFill>
+                <a:latin typeface="Bookman Old Style" panose="02050604050505020204" pitchFamily="18" charset="0"/>
+              </a:rPr>
+              <a:t>–</a:t>
+            </a:r>
+            <a:r>
+              <a:rPr lang="en-US" sz="2400" dirty="0" smtClean="0">
+                <a:solidFill>
+                  <a:srgbClr val="161616"/>
+                </a:solidFill>
+                <a:latin typeface="Bookman Old Style" panose="02050604050505020204" pitchFamily="18" charset="0"/>
+              </a:rPr>
+              <a:t> </a:t>
+            </a:r>
+            <a:r>
+              <a:rPr lang="ru-RU" sz="2400" dirty="0" smtClean="0">
+                <a:solidFill>
+                  <a:srgbClr val="161616"/>
+                </a:solidFill>
+                <a:latin typeface="Bookman Old Style" panose="02050604050505020204" pitchFamily="18" charset="0"/>
+              </a:rPr>
+              <a:t>библиотека, в которой реализована двунаправленная связь </a:t>
+            </a:r>
+            <a:r>
+              <a:rPr lang="ru-RU" sz="2400" dirty="0">
+                <a:solidFill>
+                  <a:srgbClr val="161616"/>
+                </a:solidFill>
+                <a:latin typeface="Bookman Old Style" panose="02050604050505020204" pitchFamily="18" charset="0"/>
+              </a:rPr>
+              <a:t>для обмена сообщениями между клиентом и </a:t>
+            </a:r>
+            <a:r>
+              <a:rPr lang="ru-RU" sz="2400" dirty="0" smtClean="0">
+                <a:solidFill>
+                  <a:srgbClr val="161616"/>
+                </a:solidFill>
+                <a:latin typeface="Bookman Old Style" panose="02050604050505020204" pitchFamily="18" charset="0"/>
+              </a:rPr>
+              <a:t>сервером.</a:t>
             </a:r>
             <a:endParaRPr lang="en-US" sz="2400" dirty="0" smtClean="0">
               <a:solidFill>

--- a/Лекции/ООП 1 лек 6.pptx
+++ b/Лекции/ООП 1 лек 6.pptx
@@ -298,7 +298,7 @@
             <a:fld id="{AA2F9473-F066-431E-A6E8-1D478C995A6B}" type="datetimeFigureOut">
               <a:rPr lang="en-US" smtClean="0"/>
               <a:pPr/>
-              <a:t>4/11/2025</a:t>
+              <a:t>4/15/2025</a:t>
             </a:fld>
             <a:endParaRPr lang="en-US"/>
           </a:p>
@@ -15399,8 +15399,8 @@
         </p:nvSpPr>
         <p:spPr>
           <a:xfrm>
-            <a:off x="0" y="752011"/>
-            <a:ext cx="7497496" cy="4154984"/>
+            <a:off x="294290" y="752011"/>
+            <a:ext cx="7203206" cy="4154984"/>
           </a:xfrm>
           <a:prstGeom prst="rect">
             <a:avLst/>

--- a/Лекции/ООП 1 лек 6.pptx
+++ b/Лекции/ООП 1 лек 6.pptx
@@ -298,7 +298,7 @@
             <a:fld id="{AA2F9473-F066-431E-A6E8-1D478C995A6B}" type="datetimeFigureOut">
               <a:rPr lang="en-US" smtClean="0"/>
               <a:pPr/>
-              <a:t>4/15/2025</a:t>
+              <a:t>4/22/2025</a:t>
             </a:fld>
             <a:endParaRPr lang="en-US"/>
           </a:p>
@@ -15400,7 +15400,7 @@
         <p:spPr>
           <a:xfrm>
             <a:off x="294290" y="752011"/>
-            <a:ext cx="7203206" cy="4154984"/>
+            <a:ext cx="7203206" cy="4708981"/>
           </a:xfrm>
           <a:prstGeom prst="rect">
             <a:avLst/>
@@ -15487,8 +15487,23 @@
                 </a:solidFill>
                 <a:latin typeface="Bookman Old Style" panose="02050604050505020204" pitchFamily="18" charset="0"/>
               </a:rPr>
-              <a:t>.</a:t>
-            </a:r>
+              <a:t>. (публикация 1-й статьи в 2012 </a:t>
+            </a:r>
+            <a:r>
+              <a:rPr lang="ru-RU" sz="2400" smtClean="0">
+                <a:solidFill>
+                  <a:srgbClr val="1F1F1F"/>
+                </a:solidFill>
+                <a:latin typeface="Bookman Old Style" panose="02050604050505020204" pitchFamily="18" charset="0"/>
+              </a:rPr>
+              <a:t>г.)</a:t>
+            </a:r>
+            <a:endParaRPr lang="ru-RU" sz="2400" dirty="0" smtClean="0">
+              <a:solidFill>
+                <a:srgbClr val="1F1F1F"/>
+              </a:solidFill>
+              <a:latin typeface="Bookman Old Style" panose="02050604050505020204" pitchFamily="18" charset="0"/>
+            </a:endParaRPr>
           </a:p>
           <a:p>
             <a:pPr algn="just"/>

--- a/Лекции/ООП 1 лек 6.pptx
+++ b/Лекции/ООП 1 лек 6.pptx
@@ -298,7 +298,7 @@
             <a:fld id="{AA2F9473-F066-431E-A6E8-1D478C995A6B}" type="datetimeFigureOut">
               <a:rPr lang="en-US" smtClean="0"/>
               <a:pPr/>
-              <a:t>4/22/2025</a:t>
+              <a:t>4/28/2025</a:t>
             </a:fld>
             <a:endParaRPr lang="en-US"/>
           </a:p>

--- a/Лекции/ООП 1 лек 6.pptx
+++ b/Лекции/ООП 1 лек 6.pptx
@@ -298,7 +298,7 @@
             <a:fld id="{AA2F9473-F066-431E-A6E8-1D478C995A6B}" type="datetimeFigureOut">
               <a:rPr lang="en-US" smtClean="0"/>
               <a:pPr/>
-              <a:t>4/28/2025</a:t>
+              <a:t>4/29/2025</a:t>
             </a:fld>
             <a:endParaRPr lang="en-US"/>
           </a:p>
@@ -47651,7 +47651,43 @@
                 </a:solidFill>
                 <a:latin typeface="Bookman Old Style" panose="02050604050505020204" pitchFamily="18" charset="0"/>
               </a:rPr>
-              <a:t>добавлении или изменении новых сущностей или свойств схемы базы данных должны быть соответствующим образом изменены для синхронизации с </a:t>
+              <a:t>добавлении или изменении новых сущностей или </a:t>
+            </a:r>
+            <a:r>
+              <a:rPr lang="ru-RU" sz="2400" dirty="0" smtClean="0">
+                <a:solidFill>
+                  <a:srgbClr val="161616"/>
+                </a:solidFill>
+                <a:latin typeface="Bookman Old Style" panose="02050604050505020204" pitchFamily="18" charset="0"/>
+              </a:rPr>
+              <a:t>свойств, </a:t>
+            </a:r>
+            <a:r>
+              <a:rPr lang="ru-RU" sz="2400" dirty="0">
+                <a:solidFill>
+                  <a:srgbClr val="161616"/>
+                </a:solidFill>
+                <a:latin typeface="Bookman Old Style" panose="02050604050505020204" pitchFamily="18" charset="0"/>
+              </a:rPr>
+              <a:t>с</a:t>
+            </a:r>
+            <a:r>
+              <a:rPr lang="ru-RU" sz="2400" dirty="0" smtClean="0">
+                <a:solidFill>
+                  <a:srgbClr val="161616"/>
+                </a:solidFill>
+                <a:latin typeface="Bookman Old Style" panose="02050604050505020204" pitchFamily="18" charset="0"/>
+              </a:rPr>
+              <a:t>хемы </a:t>
+            </a:r>
+            <a:r>
+              <a:rPr lang="ru-RU" sz="2400" dirty="0">
+                <a:solidFill>
+                  <a:srgbClr val="161616"/>
+                </a:solidFill>
+                <a:latin typeface="Bookman Old Style" panose="02050604050505020204" pitchFamily="18" charset="0"/>
+              </a:rPr>
+              <a:t>базы данных должны быть соответствующим образом изменены для синхронизации с </a:t>
             </a:r>
             <a:r>
               <a:rPr lang="ru-RU" sz="2400" dirty="0" smtClean="0">
